--- a/Toy_Projects/BargainMarket/JSP프로젝트 주제선정-이우진.pptx
+++ b/Toy_Projects/BargainMarket/JSP프로젝트 주제선정-이우진.pptx
@@ -317,7 +317,7 @@
           <a:p>
             <a:fld id="{55ADD923-35E4-4562-8537-90DCB8B65008}" type="datetimeFigureOut">
               <a:rPr lang="ko-KR" altLang="en-US" smtClean="0"/>
-              <a:t>2021-10-10</a:t>
+              <a:t>2021-10-13</a:t>
             </a:fld>
             <a:endParaRPr lang="ko-KR" altLang="en-US"/>
           </a:p>
@@ -582,7 +582,7 @@
           <a:p>
             <a:fld id="{55ADD923-35E4-4562-8537-90DCB8B65008}" type="datetimeFigureOut">
               <a:rPr lang="ko-KR" altLang="en-US" smtClean="0"/>
-              <a:t>2021-10-10</a:t>
+              <a:t>2021-10-13</a:t>
             </a:fld>
             <a:endParaRPr lang="ko-KR" altLang="en-US"/>
           </a:p>
@@ -757,7 +757,7 @@
           <a:p>
             <a:fld id="{55ADD923-35E4-4562-8537-90DCB8B65008}" type="datetimeFigureOut">
               <a:rPr lang="ko-KR" altLang="en-US" smtClean="0"/>
-              <a:t>2021-10-10</a:t>
+              <a:t>2021-10-13</a:t>
             </a:fld>
             <a:endParaRPr lang="ko-KR" altLang="en-US"/>
           </a:p>
@@ -922,7 +922,7 @@
           <a:p>
             <a:fld id="{55ADD923-35E4-4562-8537-90DCB8B65008}" type="datetimeFigureOut">
               <a:rPr lang="ko-KR" altLang="en-US" smtClean="0"/>
-              <a:t>2021-10-10</a:t>
+              <a:t>2021-10-13</a:t>
             </a:fld>
             <a:endParaRPr lang="ko-KR" altLang="en-US"/>
           </a:p>
@@ -1171,7 +1171,7 @@
           <a:p>
             <a:fld id="{55ADD923-35E4-4562-8537-90DCB8B65008}" type="datetimeFigureOut">
               <a:rPr lang="ko-KR" altLang="en-US" smtClean="0"/>
-              <a:t>2021-10-10</a:t>
+              <a:t>2021-10-13</a:t>
             </a:fld>
             <a:endParaRPr lang="ko-KR" altLang="en-US"/>
           </a:p>
@@ -1454,7 +1454,7 @@
           <a:p>
             <a:fld id="{55ADD923-35E4-4562-8537-90DCB8B65008}" type="datetimeFigureOut">
               <a:rPr lang="ko-KR" altLang="en-US" smtClean="0"/>
-              <a:t>2021-10-10</a:t>
+              <a:t>2021-10-13</a:t>
             </a:fld>
             <a:endParaRPr lang="ko-KR" altLang="en-US"/>
           </a:p>
@@ -1893,7 +1893,7 @@
           <a:p>
             <a:fld id="{55ADD923-35E4-4562-8537-90DCB8B65008}" type="datetimeFigureOut">
               <a:rPr lang="ko-KR" altLang="en-US" smtClean="0"/>
-              <a:t>2021-10-10</a:t>
+              <a:t>2021-10-13</a:t>
             </a:fld>
             <a:endParaRPr lang="ko-KR" altLang="en-US"/>
           </a:p>
@@ -2006,7 +2006,7 @@
           <a:p>
             <a:fld id="{55ADD923-35E4-4562-8537-90DCB8B65008}" type="datetimeFigureOut">
               <a:rPr lang="ko-KR" altLang="en-US" smtClean="0"/>
-              <a:t>2021-10-10</a:t>
+              <a:t>2021-10-13</a:t>
             </a:fld>
             <a:endParaRPr lang="ko-KR" altLang="en-US"/>
           </a:p>
@@ -2096,7 +2096,7 @@
           <a:p>
             <a:fld id="{55ADD923-35E4-4562-8537-90DCB8B65008}" type="datetimeFigureOut">
               <a:rPr lang="ko-KR" altLang="en-US" smtClean="0"/>
-              <a:t>2021-10-10</a:t>
+              <a:t>2021-10-13</a:t>
             </a:fld>
             <a:endParaRPr lang="ko-KR" altLang="en-US"/>
           </a:p>
@@ -2338,7 +2338,7 @@
           <a:p>
             <a:fld id="{55ADD923-35E4-4562-8537-90DCB8B65008}" type="datetimeFigureOut">
               <a:rPr lang="ko-KR" altLang="en-US" smtClean="0"/>
-              <a:t>2021-10-10</a:t>
+              <a:t>2021-10-13</a:t>
             </a:fld>
             <a:endParaRPr lang="ko-KR" altLang="en-US"/>
           </a:p>
@@ -2632,7 +2632,7 @@
           <a:p>
             <a:fld id="{55ADD923-35E4-4562-8537-90DCB8B65008}" type="datetimeFigureOut">
               <a:rPr lang="ko-KR" altLang="en-US" smtClean="0"/>
-              <a:t>2021-10-10</a:t>
+              <a:t>2021-10-13</a:t>
             </a:fld>
             <a:endParaRPr lang="ko-KR" altLang="en-US"/>
           </a:p>
@@ -2926,7 +2926,7 @@
           <a:p>
             <a:fld id="{55ADD923-35E4-4562-8537-90DCB8B65008}" type="datetimeFigureOut">
               <a:rPr lang="ko-KR" altLang="en-US" smtClean="0"/>
-              <a:t>2021-10-10</a:t>
+              <a:t>2021-10-13</a:t>
             </a:fld>
             <a:endParaRPr lang="ko-KR" altLang="en-US"/>
           </a:p>
@@ -8137,7 +8137,12 @@
             <p:ph type="title"/>
           </p:nvPr>
         </p:nvSpPr>
-        <p:spPr/>
+        <p:spPr>
+          <a:xfrm>
+            <a:off x="457200" y="-675456"/>
+            <a:ext cx="5791200" cy="1371600"/>
+          </a:xfrm>
+        </p:spPr>
         <p:txBody>
           <a:bodyPr/>
           <a:lstStyle/>
@@ -8158,7 +8163,7 @@
         </p:nvSpPr>
         <p:spPr>
           <a:xfrm>
-            <a:off x="899592" y="1916832"/>
+            <a:off x="899592" y="1196752"/>
             <a:ext cx="1296144" cy="432048"/>
           </a:xfrm>
           <a:prstGeom prst="roundRect">
@@ -8205,7 +8210,7 @@
         </p:nvSpPr>
         <p:spPr>
           <a:xfrm>
-            <a:off x="3203848" y="1916832"/>
+            <a:off x="3203848" y="1196752"/>
             <a:ext cx="1296144" cy="432048"/>
           </a:xfrm>
           <a:prstGeom prst="roundRect">
@@ -8255,7 +8260,7 @@
         </p:nvCxnSpPr>
         <p:spPr>
           <a:xfrm>
-            <a:off x="2195736" y="2132856"/>
+            <a:off x="2195736" y="1412776"/>
             <a:ext cx="1008112" cy="0"/>
           </a:xfrm>
           <a:prstGeom prst="straightConnector1">
@@ -8288,7 +8293,7 @@
         </p:nvSpPr>
         <p:spPr>
           <a:xfrm>
-            <a:off x="5652120" y="1916832"/>
+            <a:off x="5652120" y="1196752"/>
             <a:ext cx="1296144" cy="432048"/>
           </a:xfrm>
           <a:prstGeom prst="roundRect">
@@ -8338,7 +8343,7 @@
         </p:nvCxnSpPr>
         <p:spPr>
           <a:xfrm>
-            <a:off x="4499992" y="2132856"/>
+            <a:off x="4499992" y="1412776"/>
             <a:ext cx="1152128" cy="0"/>
           </a:xfrm>
           <a:prstGeom prst="straightConnector1">
@@ -8371,7 +8376,7 @@
         </p:nvSpPr>
         <p:spPr>
           <a:xfrm>
-            <a:off x="3347864" y="980728"/>
+            <a:off x="3347864" y="116632"/>
             <a:ext cx="1296144" cy="432048"/>
           </a:xfrm>
           <a:prstGeom prst="roundRect">
@@ -8418,7 +8423,7 @@
         </p:nvSpPr>
         <p:spPr>
           <a:xfrm>
-            <a:off x="5076056" y="980728"/>
+            <a:off x="5076056" y="116632"/>
             <a:ext cx="1296144" cy="432048"/>
           </a:xfrm>
           <a:prstGeom prst="roundRect">
@@ -8465,7 +8470,7 @@
         </p:nvSpPr>
         <p:spPr>
           <a:xfrm>
-            <a:off x="6804248" y="980728"/>
+            <a:off x="6804248" y="116632"/>
             <a:ext cx="1296144" cy="432048"/>
           </a:xfrm>
           <a:prstGeom prst="roundRect">
@@ -8512,7 +8517,7 @@
         </p:nvSpPr>
         <p:spPr>
           <a:xfrm>
-            <a:off x="899592" y="2636912"/>
+            <a:off x="899592" y="1916832"/>
             <a:ext cx="1296144" cy="432048"/>
           </a:xfrm>
           <a:prstGeom prst="roundRect">
@@ -8559,7 +8564,7 @@
         </p:nvSpPr>
         <p:spPr>
           <a:xfrm>
-            <a:off x="3203848" y="2636912"/>
+            <a:off x="3203848" y="1916832"/>
             <a:ext cx="1296144" cy="432048"/>
           </a:xfrm>
           <a:prstGeom prst="roundRect">
@@ -8609,7 +8614,7 @@
         </p:nvCxnSpPr>
         <p:spPr>
           <a:xfrm>
-            <a:off x="2195736" y="2852936"/>
+            <a:off x="2195736" y="2132856"/>
             <a:ext cx="1008112" cy="0"/>
           </a:xfrm>
           <a:prstGeom prst="straightConnector1">
@@ -8642,7 +8647,7 @@
         </p:nvSpPr>
         <p:spPr>
           <a:xfrm>
-            <a:off x="5652120" y="2636912"/>
+            <a:off x="5652120" y="1916832"/>
             <a:ext cx="1296144" cy="432048"/>
           </a:xfrm>
           <a:prstGeom prst="roundRect">
@@ -8692,7 +8697,7 @@
         </p:nvCxnSpPr>
         <p:spPr>
           <a:xfrm>
-            <a:off x="4499992" y="2852936"/>
+            <a:off x="4499992" y="2132856"/>
             <a:ext cx="1152128" cy="0"/>
           </a:xfrm>
           <a:prstGeom prst="straightConnector1">
@@ -8725,7 +8730,7 @@
         </p:nvSpPr>
         <p:spPr>
           <a:xfrm>
-            <a:off x="6948264" y="2735342"/>
+            <a:off x="6948264" y="2015262"/>
             <a:ext cx="1728192" cy="261610"/>
           </a:xfrm>
           <a:prstGeom prst="rect">
@@ -8759,7 +8764,7 @@
         </p:nvSpPr>
         <p:spPr>
           <a:xfrm>
-            <a:off x="899592" y="3356992"/>
+            <a:off x="899592" y="2636912"/>
             <a:ext cx="1296144" cy="432048"/>
           </a:xfrm>
           <a:prstGeom prst="roundRect">
@@ -8806,7 +8811,7 @@
         </p:nvSpPr>
         <p:spPr>
           <a:xfrm>
-            <a:off x="2555776" y="3356992"/>
+            <a:off x="2555776" y="2636912"/>
             <a:ext cx="1296144" cy="432048"/>
           </a:xfrm>
           <a:prstGeom prst="roundRect">
@@ -8856,7 +8861,7 @@
         </p:nvCxnSpPr>
         <p:spPr>
           <a:xfrm>
-            <a:off x="2195736" y="3573016"/>
+            <a:off x="2195736" y="2852936"/>
             <a:ext cx="360040" cy="0"/>
           </a:xfrm>
           <a:prstGeom prst="straightConnector1">
@@ -8889,7 +8894,7 @@
         </p:nvSpPr>
         <p:spPr>
           <a:xfrm>
-            <a:off x="4283968" y="3356992"/>
+            <a:off x="4283968" y="2636912"/>
             <a:ext cx="1296144" cy="432048"/>
           </a:xfrm>
           <a:prstGeom prst="roundRect">
@@ -8939,7 +8944,7 @@
         </p:nvCxnSpPr>
         <p:spPr>
           <a:xfrm>
-            <a:off x="3851920" y="3573016"/>
+            <a:off x="3851920" y="2852936"/>
             <a:ext cx="432048" cy="0"/>
           </a:xfrm>
           <a:prstGeom prst="straightConnector1">
@@ -8972,7 +8977,7 @@
         </p:nvSpPr>
         <p:spPr>
           <a:xfrm>
-            <a:off x="6012160" y="3356992"/>
+            <a:off x="6012160" y="2636912"/>
             <a:ext cx="1296144" cy="432048"/>
           </a:xfrm>
           <a:prstGeom prst="roundRect">
@@ -9022,7 +9027,7 @@
         </p:nvCxnSpPr>
         <p:spPr>
           <a:xfrm>
-            <a:off x="5580112" y="3573016"/>
+            <a:off x="5580112" y="2852936"/>
             <a:ext cx="432048" cy="0"/>
           </a:xfrm>
           <a:prstGeom prst="straightConnector1">
@@ -9055,7 +9060,7 @@
         </p:nvSpPr>
         <p:spPr>
           <a:xfrm>
-            <a:off x="7596336" y="3356992"/>
+            <a:off x="7596336" y="2636912"/>
             <a:ext cx="1296144" cy="432048"/>
           </a:xfrm>
           <a:prstGeom prst="roundRect">
@@ -9105,7 +9110,7 @@
         </p:nvCxnSpPr>
         <p:spPr>
           <a:xfrm>
-            <a:off x="7308304" y="3573016"/>
+            <a:off x="7308304" y="2852936"/>
             <a:ext cx="288032" cy="0"/>
           </a:xfrm>
           <a:prstGeom prst="straightConnector1">
@@ -9138,7 +9143,7 @@
         </p:nvSpPr>
         <p:spPr>
           <a:xfrm>
-            <a:off x="7596336" y="4077072"/>
+            <a:off x="7596336" y="3356992"/>
             <a:ext cx="1296144" cy="432048"/>
           </a:xfrm>
           <a:prstGeom prst="roundRect">
@@ -9188,7 +9193,7 @@
         </p:nvCxnSpPr>
         <p:spPr>
           <a:xfrm>
-            <a:off x="8244408" y="3789040"/>
+            <a:off x="8244408" y="3068960"/>
             <a:ext cx="0" cy="288032"/>
           </a:xfrm>
           <a:prstGeom prst="straightConnector1">
@@ -9221,7 +9226,7 @@
         </p:nvSpPr>
         <p:spPr>
           <a:xfrm>
-            <a:off x="6300192" y="3815462"/>
+            <a:off x="6300192" y="3095382"/>
             <a:ext cx="2555776" cy="261610"/>
           </a:xfrm>
           <a:prstGeom prst="rect">
@@ -9270,7 +9275,7 @@
         </p:nvCxnSpPr>
         <p:spPr>
           <a:xfrm flipH="1">
-            <a:off x="7308304" y="4293096"/>
+            <a:off x="7308304" y="3573016"/>
             <a:ext cx="288032" cy="0"/>
           </a:xfrm>
           <a:prstGeom prst="straightConnector1">
@@ -9303,7 +9308,7 @@
         </p:nvSpPr>
         <p:spPr>
           <a:xfrm>
-            <a:off x="6012160" y="4077072"/>
+            <a:off x="6012160" y="3356992"/>
             <a:ext cx="1296144" cy="432048"/>
           </a:xfrm>
           <a:prstGeom prst="roundRect">
@@ -9352,7 +9357,7 @@
         </p:nvSpPr>
         <p:spPr>
           <a:xfrm>
-            <a:off x="0" y="1916832"/>
+            <a:off x="0" y="1196752"/>
             <a:ext cx="899592" cy="432048"/>
           </a:xfrm>
           <a:prstGeom prst="rect">
@@ -9404,7 +9409,7 @@
         </p:nvSpPr>
         <p:spPr>
           <a:xfrm>
-            <a:off x="0" y="2636912"/>
+            <a:off x="0" y="1916832"/>
             <a:ext cx="899592" cy="432048"/>
           </a:xfrm>
           <a:prstGeom prst="rect">
@@ -9463,7 +9468,7 @@
         </p:nvSpPr>
         <p:spPr>
           <a:xfrm>
-            <a:off x="0" y="3356992"/>
+            <a:off x="0" y="2636912"/>
             <a:ext cx="899592" cy="432048"/>
           </a:xfrm>
           <a:prstGeom prst="rect">
@@ -9520,7 +9525,7 @@
         </p:nvSpPr>
         <p:spPr>
           <a:xfrm>
-            <a:off x="899592" y="4797152"/>
+            <a:off x="899592" y="4077072"/>
             <a:ext cx="1296144" cy="432048"/>
           </a:xfrm>
           <a:prstGeom prst="roundRect">
@@ -9567,7 +9572,7 @@
         </p:nvSpPr>
         <p:spPr>
           <a:xfrm>
-            <a:off x="2555776" y="4797152"/>
+            <a:off x="2411760" y="4077072"/>
             <a:ext cx="1296144" cy="432048"/>
           </a:xfrm>
           <a:prstGeom prst="roundRect">
@@ -9617,8 +9622,8 @@
         </p:nvCxnSpPr>
         <p:spPr>
           <a:xfrm>
-            <a:off x="2195736" y="5013176"/>
-            <a:ext cx="360040" cy="0"/>
+            <a:off x="2195736" y="4293096"/>
+            <a:ext cx="216024" cy="0"/>
           </a:xfrm>
           <a:prstGeom prst="straightConnector1">
             <a:avLst/>
@@ -9650,7 +9655,7 @@
         </p:nvSpPr>
         <p:spPr>
           <a:xfrm>
-            <a:off x="4283968" y="4797152"/>
+            <a:off x="3995936" y="4077072"/>
             <a:ext cx="1296144" cy="432048"/>
           </a:xfrm>
           <a:prstGeom prst="roundRect">
@@ -9700,8 +9705,8 @@
         </p:nvCxnSpPr>
         <p:spPr>
           <a:xfrm>
-            <a:off x="3851920" y="5013176"/>
-            <a:ext cx="432048" cy="0"/>
+            <a:off x="3707904" y="4293096"/>
+            <a:ext cx="288032" cy="0"/>
           </a:xfrm>
           <a:prstGeom prst="straightConnector1">
             <a:avLst/>
@@ -9733,7 +9738,7 @@
         </p:nvSpPr>
         <p:spPr>
           <a:xfrm>
-            <a:off x="6012160" y="4797152"/>
+            <a:off x="7164288" y="4077072"/>
             <a:ext cx="1296144" cy="432048"/>
           </a:xfrm>
           <a:prstGeom prst="roundRect">
@@ -9777,14 +9782,14 @@
           <p:cNvPr id="76" name="직선 화살표 연결선 75"/>
           <p:cNvCxnSpPr>
             <a:stCxn id="73" idx="3"/>
-            <a:endCxn id="75" idx="1"/>
+            <a:endCxn id="113" idx="1"/>
           </p:cNvCxnSpPr>
           <p:nvPr/>
         </p:nvCxnSpPr>
         <p:spPr>
           <a:xfrm>
-            <a:off x="5580112" y="5013176"/>
-            <a:ext cx="432048" cy="0"/>
+            <a:off x="5292080" y="4293096"/>
+            <a:ext cx="216024" cy="0"/>
           </a:xfrm>
           <a:prstGeom prst="straightConnector1">
             <a:avLst/>
@@ -9816,7 +9821,7 @@
         </p:nvSpPr>
         <p:spPr>
           <a:xfrm>
-            <a:off x="7596336" y="4797152"/>
+            <a:off x="7164288" y="4725144"/>
             <a:ext cx="1296144" cy="432048"/>
           </a:xfrm>
           <a:prstGeom prst="roundRect">
@@ -9859,15 +9864,15 @@
         <p:nvCxnSpPr>
           <p:cNvPr id="78" name="직선 화살표 연결선 77"/>
           <p:cNvCxnSpPr>
-            <a:stCxn id="75" idx="3"/>
-            <a:endCxn id="77" idx="1"/>
+            <a:stCxn id="75" idx="2"/>
+            <a:endCxn id="77" idx="0"/>
           </p:cNvCxnSpPr>
           <p:nvPr/>
         </p:nvCxnSpPr>
         <p:spPr>
           <a:xfrm>
-            <a:off x="7308304" y="5013176"/>
-            <a:ext cx="288032" cy="0"/>
+            <a:off x="7812360" y="4509120"/>
+            <a:ext cx="0" cy="216024"/>
           </a:xfrm>
           <a:prstGeom prst="straightConnector1">
             <a:avLst/>
@@ -9901,7 +9906,7 @@
         </p:nvSpPr>
         <p:spPr>
           <a:xfrm>
-            <a:off x="0" y="4797152"/>
+            <a:off x="0" y="4077072"/>
             <a:ext cx="899592" cy="432048"/>
           </a:xfrm>
           <a:prstGeom prst="rect">
@@ -9961,7 +9966,7 @@
         </p:nvSpPr>
         <p:spPr>
           <a:xfrm>
-            <a:off x="2555776" y="5445224"/>
+            <a:off x="2483768" y="5373216"/>
             <a:ext cx="1296144" cy="432048"/>
           </a:xfrm>
           <a:prstGeom prst="roundRect">
@@ -10008,7 +10013,7 @@
         </p:nvSpPr>
         <p:spPr>
           <a:xfrm>
-            <a:off x="4283968" y="5445224"/>
+            <a:off x="3995936" y="5373216"/>
             <a:ext cx="1296144" cy="432048"/>
           </a:xfrm>
           <a:prstGeom prst="roundRect">
@@ -10041,7 +10046,7 @@
             <a:pPr algn="ctr"/>
             <a:r>
               <a:rPr lang="en-US" altLang="ko-KR" sz="1400" dirty="0" err="1" smtClean="0"/>
-              <a:t>ResistAction</a:t>
+              <a:t>ResistMoveAction</a:t>
             </a:r>
             <a:endParaRPr lang="ko-KR" altLang="en-US" sz="1400" dirty="0"/>
           </a:p>
@@ -10058,8 +10063,8 @@
         </p:nvCxnSpPr>
         <p:spPr>
           <a:xfrm>
-            <a:off x="3851920" y="5661248"/>
-            <a:ext cx="432048" cy="0"/>
+            <a:off x="3779912" y="5589240"/>
+            <a:ext cx="216024" cy="0"/>
           </a:xfrm>
           <a:prstGeom prst="straightConnector1">
             <a:avLst/>
@@ -10088,14 +10093,14 @@
           <p:cNvPr id="89" name="직선 화살표 연결선 88"/>
           <p:cNvCxnSpPr>
             <a:stCxn id="86" idx="3"/>
-            <a:endCxn id="92" idx="1"/>
+            <a:endCxn id="115" idx="1"/>
           </p:cNvCxnSpPr>
           <p:nvPr/>
         </p:nvCxnSpPr>
         <p:spPr>
           <a:xfrm>
-            <a:off x="5580112" y="5661248"/>
-            <a:ext cx="432048" cy="0"/>
+            <a:off x="5292080" y="5589240"/>
+            <a:ext cx="288032" cy="0"/>
           </a:xfrm>
           <a:prstGeom prst="straightConnector1">
             <a:avLst/>
@@ -10119,53 +10124,6 @@
           </a:fontRef>
         </p:style>
       </p:cxnSp>
-      <p:sp>
-        <p:nvSpPr>
-          <p:cNvPr id="92" name="모서리가 둥근 직사각형 91"/>
-          <p:cNvSpPr/>
-          <p:nvPr/>
-        </p:nvSpPr>
-        <p:spPr>
-          <a:xfrm>
-            <a:off x="6012160" y="5445224"/>
-            <a:ext cx="1296144" cy="432048"/>
-          </a:xfrm>
-          <a:prstGeom prst="roundRect">
-            <a:avLst/>
-          </a:prstGeom>
-          <a:solidFill>
-            <a:srgbClr val="00B0F0"/>
-          </a:solidFill>
-        </p:spPr>
-        <p:style>
-          <a:lnRef idx="2">
-            <a:schemeClr val="accent1">
-              <a:shade val="50000"/>
-            </a:schemeClr>
-          </a:lnRef>
-          <a:fillRef idx="1">
-            <a:schemeClr val="accent1"/>
-          </a:fillRef>
-          <a:effectRef idx="0">
-            <a:schemeClr val="accent1"/>
-          </a:effectRef>
-          <a:fontRef idx="minor">
-            <a:schemeClr val="lt1"/>
-          </a:fontRef>
-        </p:style>
-        <p:txBody>
-          <a:bodyPr rtlCol="0" anchor="ctr"/>
-          <a:lstStyle/>
-          <a:p>
-            <a:pPr algn="ctr"/>
-            <a:r>
-              <a:rPr lang="en-US" altLang="ko-KR" dirty="0" smtClean="0"/>
-              <a:t>/index.do</a:t>
-            </a:r>
-            <a:endParaRPr lang="ko-KR" altLang="en-US" dirty="0"/>
-          </a:p>
-        </p:txBody>
-      </p:sp>
       <p:sp>
         <p:nvSpPr>
           <p:cNvPr id="94" name="제목 1"/>
@@ -10176,7 +10134,7 @@
         </p:nvSpPr>
         <p:spPr>
           <a:xfrm>
-            <a:off x="0" y="5445224"/>
+            <a:off x="0" y="5373216"/>
             <a:ext cx="899592" cy="432048"/>
           </a:xfrm>
           <a:prstGeom prst="rect">
@@ -10236,7 +10194,7 @@
         </p:nvSpPr>
         <p:spPr>
           <a:xfrm>
-            <a:off x="899592" y="5445224"/>
+            <a:off x="899592" y="5373216"/>
             <a:ext cx="1296144" cy="432048"/>
           </a:xfrm>
           <a:prstGeom prst="roundRect">
@@ -10286,8 +10244,8 @@
         </p:nvCxnSpPr>
         <p:spPr>
           <a:xfrm>
-            <a:off x="2195736" y="5661248"/>
-            <a:ext cx="360040" cy="0"/>
+            <a:off x="2195736" y="5589240"/>
+            <a:ext cx="288032" cy="0"/>
           </a:xfrm>
           <a:prstGeom prst="straightConnector1">
             <a:avLst/>
@@ -10313,13 +10271,294 @@
       </p:cxnSp>
       <p:sp>
         <p:nvSpPr>
-          <p:cNvPr id="100" name="모서리가 둥근 직사각형 99"/>
-          <p:cNvSpPr/>
-          <p:nvPr/>
-        </p:nvSpPr>
-        <p:spPr>
-          <a:xfrm>
-            <a:off x="899592" y="6093296"/>
+          <p:cNvPr id="110" name="TextBox 109"/>
+          <p:cNvSpPr txBox="1"/>
+          <p:nvPr/>
+        </p:nvSpPr>
+        <p:spPr>
+          <a:xfrm>
+            <a:off x="2123728" y="1655222"/>
+            <a:ext cx="1440160" cy="261610"/>
+          </a:xfrm>
+          <a:prstGeom prst="rect">
+            <a:avLst/>
+          </a:prstGeom>
+          <a:noFill/>
+        </p:spPr>
+        <p:txBody>
+          <a:bodyPr wrap="square" rtlCol="0">
+            <a:spAutoFit/>
+          </a:bodyPr>
+          <a:lstStyle/>
+          <a:p>
+            <a:r>
+              <a:rPr lang="en-US" altLang="ko-KR" sz="1100" dirty="0" smtClean="0"/>
+              <a:t>para: </a:t>
+            </a:r>
+            <a:r>
+              <a:rPr lang="en-US" altLang="ko-KR" sz="1100" dirty="0" err="1" smtClean="0"/>
+              <a:t>write.category</a:t>
+            </a:r>
+            <a:endParaRPr lang="ko-KR" altLang="en-US" sz="1100" dirty="0"/>
+          </a:p>
+        </p:txBody>
+      </p:sp>
+      <p:sp>
+        <p:nvSpPr>
+          <p:cNvPr id="111" name="TextBox 110"/>
+          <p:cNvSpPr txBox="1"/>
+          <p:nvPr/>
+        </p:nvSpPr>
+        <p:spPr>
+          <a:xfrm>
+            <a:off x="1907704" y="3743454"/>
+            <a:ext cx="1080120" cy="261610"/>
+          </a:xfrm>
+          <a:prstGeom prst="rect">
+            <a:avLst/>
+          </a:prstGeom>
+          <a:noFill/>
+        </p:spPr>
+        <p:txBody>
+          <a:bodyPr wrap="square" rtlCol="0">
+            <a:spAutoFit/>
+          </a:bodyPr>
+          <a:lstStyle/>
+          <a:p>
+            <a:r>
+              <a:rPr lang="en-US" altLang="ko-KR" sz="1100" dirty="0" smtClean="0"/>
+              <a:t>para: </a:t>
+            </a:r>
+            <a:r>
+              <a:rPr lang="en-US" altLang="ko-KR" sz="1100" dirty="0" err="1" smtClean="0"/>
+              <a:t>user.idx</a:t>
+            </a:r>
+            <a:endParaRPr lang="ko-KR" altLang="en-US" sz="1100" dirty="0"/>
+          </a:p>
+        </p:txBody>
+      </p:sp>
+      <p:sp>
+        <p:nvSpPr>
+          <p:cNvPr id="3" name="TextBox 2"/>
+          <p:cNvSpPr txBox="1"/>
+          <p:nvPr/>
+        </p:nvSpPr>
+        <p:spPr>
+          <a:xfrm>
+            <a:off x="-972616" y="1259468"/>
+            <a:ext cx="972616" cy="369332"/>
+          </a:xfrm>
+          <a:prstGeom prst="rect">
+            <a:avLst/>
+          </a:prstGeom>
+          <a:noFill/>
+        </p:spPr>
+        <p:txBody>
+          <a:bodyPr wrap="square" rtlCol="0">
+            <a:spAutoFit/>
+          </a:bodyPr>
+          <a:lstStyle/>
+          <a:p>
+            <a:r>
+              <a:rPr lang="ko-KR" altLang="en-US" b="1" dirty="0" smtClean="0">
+                <a:solidFill>
+                  <a:srgbClr val="FF0000"/>
+                </a:solidFill>
+              </a:rPr>
+              <a:t>이우진</a:t>
+            </a:r>
+            <a:endParaRPr lang="ko-KR" altLang="en-US" b="1" dirty="0">
+              <a:solidFill>
+                <a:srgbClr val="FF0000"/>
+              </a:solidFill>
+            </a:endParaRPr>
+          </a:p>
+        </p:txBody>
+      </p:sp>
+      <p:sp>
+        <p:nvSpPr>
+          <p:cNvPr id="79" name="TextBox 78"/>
+          <p:cNvSpPr txBox="1"/>
+          <p:nvPr/>
+        </p:nvSpPr>
+        <p:spPr>
+          <a:xfrm>
+            <a:off x="-972616" y="2617624"/>
+            <a:ext cx="972616" cy="369332"/>
+          </a:xfrm>
+          <a:prstGeom prst="rect">
+            <a:avLst/>
+          </a:prstGeom>
+          <a:noFill/>
+        </p:spPr>
+        <p:txBody>
+          <a:bodyPr wrap="square" rtlCol="0">
+            <a:spAutoFit/>
+          </a:bodyPr>
+          <a:lstStyle/>
+          <a:p>
+            <a:r>
+              <a:rPr lang="ko-KR" altLang="en-US" b="1" dirty="0" smtClean="0">
+                <a:solidFill>
+                  <a:srgbClr val="FF0000"/>
+                </a:solidFill>
+              </a:rPr>
+              <a:t>김나영</a:t>
+            </a:r>
+            <a:endParaRPr lang="ko-KR" altLang="en-US" b="1" dirty="0">
+              <a:solidFill>
+                <a:srgbClr val="FF0000"/>
+              </a:solidFill>
+            </a:endParaRPr>
+          </a:p>
+        </p:txBody>
+      </p:sp>
+      <p:sp>
+        <p:nvSpPr>
+          <p:cNvPr id="80" name="TextBox 79"/>
+          <p:cNvSpPr txBox="1"/>
+          <p:nvPr/>
+        </p:nvSpPr>
+        <p:spPr>
+          <a:xfrm>
+            <a:off x="-1044624" y="4077072"/>
+            <a:ext cx="972616" cy="369332"/>
+          </a:xfrm>
+          <a:prstGeom prst="rect">
+            <a:avLst/>
+          </a:prstGeom>
+          <a:noFill/>
+        </p:spPr>
+        <p:txBody>
+          <a:bodyPr wrap="square" rtlCol="0">
+            <a:spAutoFit/>
+          </a:bodyPr>
+          <a:lstStyle/>
+          <a:p>
+            <a:r>
+              <a:rPr lang="ko-KR" altLang="en-US" b="1" dirty="0" smtClean="0">
+                <a:solidFill>
+                  <a:srgbClr val="FF0000"/>
+                </a:solidFill>
+              </a:rPr>
+              <a:t>유일상</a:t>
+            </a:r>
+            <a:endParaRPr lang="ko-KR" altLang="en-US" b="1" dirty="0">
+              <a:solidFill>
+                <a:srgbClr val="FF0000"/>
+              </a:solidFill>
+            </a:endParaRPr>
+          </a:p>
+        </p:txBody>
+      </p:sp>
+      <p:sp>
+        <p:nvSpPr>
+          <p:cNvPr id="81" name="TextBox 80"/>
+          <p:cNvSpPr txBox="1"/>
+          <p:nvPr/>
+        </p:nvSpPr>
+        <p:spPr>
+          <a:xfrm>
+            <a:off x="-1044624" y="5371554"/>
+            <a:ext cx="972616" cy="369332"/>
+          </a:xfrm>
+          <a:prstGeom prst="rect">
+            <a:avLst/>
+          </a:prstGeom>
+          <a:noFill/>
+        </p:spPr>
+        <p:txBody>
+          <a:bodyPr wrap="square" rtlCol="0">
+            <a:spAutoFit/>
+          </a:bodyPr>
+          <a:lstStyle/>
+          <a:p>
+            <a:r>
+              <a:rPr lang="ko-KR" altLang="en-US" b="1" dirty="0" smtClean="0">
+                <a:solidFill>
+                  <a:srgbClr val="FF0000"/>
+                </a:solidFill>
+              </a:rPr>
+              <a:t>유일상</a:t>
+            </a:r>
+            <a:endParaRPr lang="ko-KR" altLang="en-US" b="1" dirty="0">
+              <a:solidFill>
+                <a:srgbClr val="FF0000"/>
+              </a:solidFill>
+            </a:endParaRPr>
+          </a:p>
+        </p:txBody>
+      </p:sp>
+      <p:sp>
+        <p:nvSpPr>
+          <p:cNvPr id="82" name="TextBox 81"/>
+          <p:cNvSpPr txBox="1"/>
+          <p:nvPr/>
+        </p:nvSpPr>
+        <p:spPr>
+          <a:xfrm>
+            <a:off x="-1009128" y="1907540"/>
+            <a:ext cx="1188640" cy="646331"/>
+          </a:xfrm>
+          <a:prstGeom prst="rect">
+            <a:avLst/>
+          </a:prstGeom>
+          <a:noFill/>
+        </p:spPr>
+        <p:txBody>
+          <a:bodyPr wrap="square" rtlCol="0">
+            <a:spAutoFit/>
+          </a:bodyPr>
+          <a:lstStyle/>
+          <a:p>
+            <a:r>
+              <a:rPr lang="ko-KR" altLang="en-US" b="1" dirty="0" smtClean="0">
+                <a:solidFill>
+                  <a:srgbClr val="FF0000"/>
+                </a:solidFill>
+              </a:rPr>
+              <a:t>이동훈</a:t>
+            </a:r>
+            <a:endParaRPr lang="en-US" altLang="ko-KR" b="1" dirty="0" smtClean="0">
+              <a:solidFill>
+                <a:srgbClr val="FF0000"/>
+              </a:solidFill>
+            </a:endParaRPr>
+          </a:p>
+          <a:p>
+            <a:r>
+              <a:rPr lang="en-US" altLang="ko-KR" b="1" dirty="0" smtClean="0">
+                <a:solidFill>
+                  <a:srgbClr val="FF0000"/>
+                </a:solidFill>
+              </a:rPr>
+              <a:t>+ </a:t>
+            </a:r>
+            <a:r>
+              <a:rPr lang="ko-KR" altLang="en-US" b="1" dirty="0" err="1" smtClean="0">
+                <a:solidFill>
+                  <a:srgbClr val="FF0000"/>
+                </a:solidFill>
+              </a:rPr>
+              <a:t>댓글</a:t>
+            </a:r>
+            <a:endParaRPr lang="ko-KR" altLang="en-US" b="1" dirty="0">
+              <a:solidFill>
+                <a:srgbClr val="FF0000"/>
+              </a:solidFill>
+            </a:endParaRPr>
+          </a:p>
+        </p:txBody>
+      </p:sp>
+      <p:sp>
+        <p:nvSpPr>
+          <p:cNvPr id="113" name="모서리가 둥근 직사각형 112"/>
+          <p:cNvSpPr/>
+          <p:nvPr/>
+        </p:nvSpPr>
+        <p:spPr>
+          <a:xfrm>
+            <a:off x="5508104" y="4077072"/>
             <a:ext cx="1296144" cy="432048"/>
           </a:xfrm>
           <a:prstGeom prst="roundRect">
@@ -10352,21 +10591,104 @@
             <a:pPr algn="ctr"/>
             <a:r>
               <a:rPr lang="en-US" altLang="ko-KR" dirty="0" smtClean="0"/>
-              <a:t>/sarch.do</a:t>
+              <a:t>/singIn.do</a:t>
             </a:r>
             <a:endParaRPr lang="ko-KR" altLang="en-US" dirty="0"/>
           </a:p>
         </p:txBody>
       </p:sp>
-      <p:sp>
-        <p:nvSpPr>
-          <p:cNvPr id="101" name="모서리가 둥근 직사각형 100"/>
-          <p:cNvSpPr/>
-          <p:nvPr/>
-        </p:nvSpPr>
-        <p:spPr>
-          <a:xfrm>
-            <a:off x="2555776" y="6093296"/>
+      <p:cxnSp>
+        <p:nvCxnSpPr>
+          <p:cNvPr id="114" name="직선 화살표 연결선 113"/>
+          <p:cNvCxnSpPr>
+            <a:stCxn id="113" idx="3"/>
+            <a:endCxn id="75" idx="1"/>
+          </p:cNvCxnSpPr>
+          <p:nvPr/>
+        </p:nvCxnSpPr>
+        <p:spPr>
+          <a:xfrm>
+            <a:off x="6804248" y="4293096"/>
+            <a:ext cx="360040" cy="0"/>
+          </a:xfrm>
+          <a:prstGeom prst="straightConnector1">
+            <a:avLst/>
+          </a:prstGeom>
+          <a:ln>
+            <a:tailEnd type="arrow"/>
+          </a:ln>
+        </p:spPr>
+        <p:style>
+          <a:lnRef idx="1">
+            <a:schemeClr val="accent1"/>
+          </a:lnRef>
+          <a:fillRef idx="0">
+            <a:schemeClr val="accent1"/>
+          </a:fillRef>
+          <a:effectRef idx="0">
+            <a:schemeClr val="accent1"/>
+          </a:effectRef>
+          <a:fontRef idx="minor">
+            <a:schemeClr val="tx1"/>
+          </a:fontRef>
+        </p:style>
+      </p:cxnSp>
+      <p:sp>
+        <p:nvSpPr>
+          <p:cNvPr id="115" name="모서리가 둥근 직사각형 114"/>
+          <p:cNvSpPr/>
+          <p:nvPr/>
+        </p:nvSpPr>
+        <p:spPr>
+          <a:xfrm>
+            <a:off x="5580112" y="5373216"/>
+            <a:ext cx="1296144" cy="432048"/>
+          </a:xfrm>
+          <a:prstGeom prst="roundRect">
+            <a:avLst/>
+          </a:prstGeom>
+          <a:solidFill>
+            <a:srgbClr val="FFC000"/>
+          </a:solidFill>
+        </p:spPr>
+        <p:style>
+          <a:lnRef idx="2">
+            <a:schemeClr val="accent1">
+              <a:shade val="50000"/>
+            </a:schemeClr>
+          </a:lnRef>
+          <a:fillRef idx="1">
+            <a:schemeClr val="accent1"/>
+          </a:fillRef>
+          <a:effectRef idx="0">
+            <a:schemeClr val="accent1"/>
+          </a:effectRef>
+          <a:fontRef idx="minor">
+            <a:schemeClr val="lt1"/>
+          </a:fontRef>
+        </p:style>
+        <p:txBody>
+          <a:bodyPr rtlCol="0" anchor="ctr"/>
+          <a:lstStyle/>
+          <a:p>
+            <a:pPr algn="ctr"/>
+            <a:r>
+              <a:rPr lang="en-US" altLang="ko-KR" dirty="0" err="1" smtClean="0"/>
+              <a:t>regist</a:t>
+            </a:r>
+            <a:endParaRPr lang="ko-KR" altLang="en-US" dirty="0"/>
+          </a:p>
+        </p:txBody>
+      </p:sp>
+      <p:sp>
+        <p:nvSpPr>
+          <p:cNvPr id="116" name="모서리가 둥근 직사각형 115"/>
+          <p:cNvSpPr/>
+          <p:nvPr/>
+        </p:nvSpPr>
+        <p:spPr>
+          <a:xfrm>
+            <a:off x="7308304" y="6093296"/>
             <a:ext cx="1296144" cy="432048"/>
           </a:xfrm>
           <a:prstGeom prst="roundRect">
@@ -10399,7 +10721,7 @@
             <a:pPr algn="ctr"/>
             <a:r>
               <a:rPr lang="en-US" altLang="ko-KR" sz="1400" dirty="0" err="1" smtClean="0"/>
-              <a:t>SearchAction</a:t>
+              <a:t>ResistAction</a:t>
             </a:r>
             <a:endParaRPr lang="ko-KR" altLang="en-US" sz="1400" dirty="0"/>
           </a:p>
@@ -10407,17 +10729,17 @@
       </p:sp>
       <p:cxnSp>
         <p:nvCxnSpPr>
-          <p:cNvPr id="102" name="직선 화살표 연결선 101"/>
+          <p:cNvPr id="117" name="직선 화살표 연결선 116"/>
           <p:cNvCxnSpPr>
-            <a:stCxn id="100" idx="3"/>
-            <a:endCxn id="101" idx="1"/>
+            <a:stCxn id="115" idx="3"/>
+            <a:endCxn id="120" idx="1"/>
           </p:cNvCxnSpPr>
           <p:nvPr/>
         </p:nvCxnSpPr>
         <p:spPr>
           <a:xfrm>
-            <a:off x="2195736" y="6309320"/>
-            <a:ext cx="360040" cy="0"/>
+            <a:off x="6876256" y="5589240"/>
+            <a:ext cx="432048" cy="0"/>
           </a:xfrm>
           <a:prstGeom prst="straightConnector1">
             <a:avLst/>
@@ -10443,20 +10765,20 @@
       </p:cxnSp>
       <p:sp>
         <p:nvSpPr>
-          <p:cNvPr id="103" name="모서리가 둥근 직사각형 102"/>
-          <p:cNvSpPr/>
-          <p:nvPr/>
-        </p:nvSpPr>
-        <p:spPr>
-          <a:xfrm>
-            <a:off x="4283968" y="6093296"/>
+          <p:cNvPr id="118" name="모서리가 둥근 직사각형 117"/>
+          <p:cNvSpPr/>
+          <p:nvPr/>
+        </p:nvSpPr>
+        <p:spPr>
+          <a:xfrm>
+            <a:off x="5508104" y="6093296"/>
             <a:ext cx="1296144" cy="432048"/>
           </a:xfrm>
           <a:prstGeom prst="roundRect">
             <a:avLst/>
           </a:prstGeom>
           <a:solidFill>
-            <a:srgbClr val="FFC000"/>
+            <a:srgbClr val="00B0F0"/>
           </a:solidFill>
         </p:spPr>
         <p:style>
@@ -10480,27 +10802,35 @@
           <a:lstStyle/>
           <a:p>
             <a:pPr algn="ctr"/>
+            <a:r>
+              <a:rPr lang="en-US" altLang="ko-KR" dirty="0" smtClean="0"/>
+              <a:t>/</a:t>
+            </a:r>
             <a:r>
               <a:rPr lang="en-US" altLang="ko-KR" dirty="0" smtClean="0"/>
               <a:t>login</a:t>
             </a:r>
+            <a:r>
+              <a:rPr lang="en-US" altLang="ko-KR" dirty="0" smtClean="0"/>
+              <a:t>.do</a:t>
+            </a:r>
             <a:endParaRPr lang="ko-KR" altLang="en-US" dirty="0"/>
           </a:p>
         </p:txBody>
       </p:sp>
       <p:cxnSp>
         <p:nvCxnSpPr>
-          <p:cNvPr id="104" name="직선 화살표 연결선 103"/>
+          <p:cNvPr id="119" name="직선 화살표 연결선 118"/>
           <p:cNvCxnSpPr>
-            <a:stCxn id="101" idx="3"/>
-            <a:endCxn id="103" idx="1"/>
+            <a:stCxn id="120" idx="2"/>
+            <a:endCxn id="116" idx="0"/>
           </p:cNvCxnSpPr>
           <p:nvPr/>
         </p:nvCxnSpPr>
         <p:spPr>
           <a:xfrm>
-            <a:off x="3851920" y="6309320"/>
-            <a:ext cx="432048" cy="0"/>
+            <a:off x="7956376" y="5805264"/>
+            <a:ext cx="0" cy="288032"/>
           </a:xfrm>
           <a:prstGeom prst="straightConnector1">
             <a:avLst/>
@@ -10526,20 +10856,20 @@
       </p:cxnSp>
       <p:sp>
         <p:nvSpPr>
-          <p:cNvPr id="105" name="모서리가 둥근 직사각형 104"/>
-          <p:cNvSpPr/>
-          <p:nvPr/>
-        </p:nvSpPr>
-        <p:spPr>
-          <a:xfrm>
-            <a:off x="6012160" y="6093296"/>
+          <p:cNvPr id="120" name="모서리가 둥근 직사각형 119"/>
+          <p:cNvSpPr/>
+          <p:nvPr/>
+        </p:nvSpPr>
+        <p:spPr>
+          <a:xfrm>
+            <a:off x="7308304" y="5373216"/>
             <a:ext cx="1296144" cy="432048"/>
           </a:xfrm>
           <a:prstGeom prst="roundRect">
             <a:avLst/>
           </a:prstGeom>
           <a:solidFill>
-            <a:srgbClr val="00B050"/>
+            <a:srgbClr val="00B0F0"/>
           </a:solidFill>
         </p:spPr>
         <p:style>
@@ -10564,26 +10894,26 @@
           <a:p>
             <a:pPr algn="ctr"/>
             <a:r>
-              <a:rPr lang="en-US" altLang="ko-KR" sz="1400" dirty="0" err="1" smtClean="0"/>
-              <a:t>SignInAction</a:t>
-            </a:r>
-            <a:endParaRPr lang="ko-KR" altLang="en-US" sz="1400" dirty="0"/>
+              <a:rPr lang="en-US" altLang="ko-KR" sz="1200" dirty="0" smtClean="0"/>
+              <a:t>/registSave.do</a:t>
+            </a:r>
+            <a:endParaRPr lang="ko-KR" altLang="en-US" sz="1200" dirty="0"/>
           </a:p>
         </p:txBody>
       </p:sp>
       <p:cxnSp>
         <p:nvCxnSpPr>
-          <p:cNvPr id="106" name="직선 화살표 연결선 105"/>
+          <p:cNvPr id="121" name="직선 화살표 연결선 120"/>
           <p:cNvCxnSpPr>
-            <a:stCxn id="103" idx="3"/>
-            <a:endCxn id="105" idx="1"/>
+            <a:stCxn id="116" idx="1"/>
+            <a:endCxn id="118" idx="3"/>
           </p:cNvCxnSpPr>
           <p:nvPr/>
         </p:nvCxnSpPr>
         <p:spPr>
-          <a:xfrm>
-            <a:off x="5580112" y="6309320"/>
-            <a:ext cx="432048" cy="0"/>
+          <a:xfrm flipH="1">
+            <a:off x="6804248" y="6309320"/>
+            <a:ext cx="504056" cy="0"/>
           </a:xfrm>
           <a:prstGeom prst="straightConnector1">
             <a:avLst/>
@@ -10607,216 +10937,6 @@
           </a:fontRef>
         </p:style>
       </p:cxnSp>
-      <p:sp>
-        <p:nvSpPr>
-          <p:cNvPr id="107" name="모서리가 둥근 직사각형 106"/>
-          <p:cNvSpPr/>
-          <p:nvPr/>
-        </p:nvSpPr>
-        <p:spPr>
-          <a:xfrm>
-            <a:off x="7596336" y="6093296"/>
-            <a:ext cx="1296144" cy="432048"/>
-          </a:xfrm>
-          <a:prstGeom prst="roundRect">
-            <a:avLst/>
-          </a:prstGeom>
-          <a:solidFill>
-            <a:srgbClr val="00B0F0"/>
-          </a:solidFill>
-        </p:spPr>
-        <p:style>
-          <a:lnRef idx="2">
-            <a:schemeClr val="accent1">
-              <a:shade val="50000"/>
-            </a:schemeClr>
-          </a:lnRef>
-          <a:fillRef idx="1">
-            <a:schemeClr val="accent1"/>
-          </a:fillRef>
-          <a:effectRef idx="0">
-            <a:schemeClr val="accent1"/>
-          </a:effectRef>
-          <a:fontRef idx="minor">
-            <a:schemeClr val="lt1"/>
-          </a:fontRef>
-        </p:style>
-        <p:txBody>
-          <a:bodyPr rtlCol="0" anchor="ctr"/>
-          <a:lstStyle/>
-          <a:p>
-            <a:pPr algn="ctr"/>
-            <a:r>
-              <a:rPr lang="en-US" altLang="ko-KR" dirty="0" smtClean="0"/>
-              <a:t>/index.do</a:t>
-            </a:r>
-            <a:endParaRPr lang="ko-KR" altLang="en-US" dirty="0"/>
-          </a:p>
-        </p:txBody>
-      </p:sp>
-      <p:cxnSp>
-        <p:nvCxnSpPr>
-          <p:cNvPr id="108" name="직선 화살표 연결선 107"/>
-          <p:cNvCxnSpPr>
-            <a:stCxn id="105" idx="3"/>
-            <a:endCxn id="107" idx="1"/>
-          </p:cNvCxnSpPr>
-          <p:nvPr/>
-        </p:nvCxnSpPr>
-        <p:spPr>
-          <a:xfrm>
-            <a:off x="7308304" y="6309320"/>
-            <a:ext cx="288032" cy="0"/>
-          </a:xfrm>
-          <a:prstGeom prst="straightConnector1">
-            <a:avLst/>
-          </a:prstGeom>
-          <a:ln>
-            <a:tailEnd type="arrow"/>
-          </a:ln>
-        </p:spPr>
-        <p:style>
-          <a:lnRef idx="1">
-            <a:schemeClr val="accent1"/>
-          </a:lnRef>
-          <a:fillRef idx="0">
-            <a:schemeClr val="accent1"/>
-          </a:fillRef>
-          <a:effectRef idx="0">
-            <a:schemeClr val="accent1"/>
-          </a:effectRef>
-          <a:fontRef idx="minor">
-            <a:schemeClr val="tx1"/>
-          </a:fontRef>
-        </p:style>
-      </p:cxnSp>
-      <p:sp>
-        <p:nvSpPr>
-          <p:cNvPr id="109" name="제목 1"/>
-          <p:cNvSpPr txBox="1">
-            <a:spLocks/>
-          </p:cNvSpPr>
-          <p:nvPr/>
-        </p:nvSpPr>
-        <p:spPr>
-          <a:xfrm>
-            <a:off x="0" y="6093296"/>
-            <a:ext cx="899592" cy="432048"/>
-          </a:xfrm>
-          <a:prstGeom prst="rect">
-            <a:avLst/>
-          </a:prstGeom>
-        </p:spPr>
-        <p:txBody>
-          <a:bodyPr vert="horz" lIns="91440" tIns="45720" rIns="91440" bIns="45720" rtlCol="0" anchor="ctr">
-            <a:normAutofit fontScale="70000" lnSpcReduction="20000"/>
-          </a:bodyPr>
-          <a:lstStyle>
-            <a:lvl1pPr algn="l" defTabSz="914400" rtl="0" eaLnBrk="1" latinLnBrk="1" hangingPunct="1">
-              <a:spcBef>
-                <a:spcPct val="0"/>
-              </a:spcBef>
-              <a:buNone/>
-              <a:defRPr sz="3600" kern="1200" cap="all" spc="-60" baseline="0">
-                <a:solidFill>
-                  <a:schemeClr val="tx2"/>
-                </a:solidFill>
-                <a:latin typeface="+mj-lt"/>
-                <a:ea typeface="+mj-ea"/>
-                <a:cs typeface="+mj-cs"/>
-              </a:defRPr>
-            </a:lvl1pPr>
-          </a:lstStyle>
-          <a:p>
-            <a:pPr algn="ctr"/>
-            <a:r>
-              <a:rPr lang="ko-KR" altLang="en-US" sz="2000" dirty="0" smtClean="0">
-                <a:solidFill>
-                  <a:schemeClr val="tx1"/>
-                </a:solidFill>
-                <a:latin typeface="HY견고딕" panose="02030600000101010101" pitchFamily="18" charset="-127"/>
-                <a:ea typeface="HY견고딕" panose="02030600000101010101" pitchFamily="18" charset="-127"/>
-              </a:rPr>
-              <a:t>종합검색</a:t>
-            </a:r>
-            <a:endParaRPr lang="ko-KR" altLang="en-US" sz="2000" dirty="0">
-              <a:solidFill>
-                <a:schemeClr val="tx1"/>
-              </a:solidFill>
-              <a:latin typeface="HY견고딕" panose="02030600000101010101" pitchFamily="18" charset="-127"/>
-              <a:ea typeface="HY견고딕" panose="02030600000101010101" pitchFamily="18" charset="-127"/>
-            </a:endParaRPr>
-          </a:p>
-        </p:txBody>
-      </p:sp>
-      <p:sp>
-        <p:nvSpPr>
-          <p:cNvPr id="110" name="TextBox 109"/>
-          <p:cNvSpPr txBox="1"/>
-          <p:nvPr/>
-        </p:nvSpPr>
-        <p:spPr>
-          <a:xfrm>
-            <a:off x="2123728" y="2375302"/>
-            <a:ext cx="1440160" cy="261610"/>
-          </a:xfrm>
-          <a:prstGeom prst="rect">
-            <a:avLst/>
-          </a:prstGeom>
-          <a:noFill/>
-        </p:spPr>
-        <p:txBody>
-          <a:bodyPr wrap="square" rtlCol="0">
-            <a:spAutoFit/>
-          </a:bodyPr>
-          <a:lstStyle/>
-          <a:p>
-            <a:r>
-              <a:rPr lang="en-US" altLang="ko-KR" sz="1100" dirty="0" smtClean="0"/>
-              <a:t>para: </a:t>
-            </a:r>
-            <a:r>
-              <a:rPr lang="en-US" altLang="ko-KR" sz="1100" dirty="0" err="1" smtClean="0"/>
-              <a:t>write.category</a:t>
-            </a:r>
-            <a:endParaRPr lang="ko-KR" altLang="en-US" sz="1100" dirty="0"/>
-          </a:p>
-        </p:txBody>
-      </p:sp>
-      <p:sp>
-        <p:nvSpPr>
-          <p:cNvPr id="111" name="TextBox 110"/>
-          <p:cNvSpPr txBox="1"/>
-          <p:nvPr/>
-        </p:nvSpPr>
-        <p:spPr>
-          <a:xfrm>
-            <a:off x="1907704" y="4463534"/>
-            <a:ext cx="1080120" cy="261610"/>
-          </a:xfrm>
-          <a:prstGeom prst="rect">
-            <a:avLst/>
-          </a:prstGeom>
-          <a:noFill/>
-        </p:spPr>
-        <p:txBody>
-          <a:bodyPr wrap="square" rtlCol="0">
-            <a:spAutoFit/>
-          </a:bodyPr>
-          <a:lstStyle/>
-          <a:p>
-            <a:r>
-              <a:rPr lang="en-US" altLang="ko-KR" sz="1100" dirty="0" smtClean="0"/>
-              <a:t>para: </a:t>
-            </a:r>
-            <a:r>
-              <a:rPr lang="en-US" altLang="ko-KR" sz="1100" dirty="0" err="1" smtClean="0"/>
-              <a:t>user.idx</a:t>
-            </a:r>
-            <a:endParaRPr lang="ko-KR" altLang="en-US" sz="1100" dirty="0"/>
-          </a:p>
-        </p:txBody>
-      </p:sp>
     </p:spTree>
     <p:extLst>
       <p:ext uri="{BB962C8B-B14F-4D97-AF65-F5344CB8AC3E}">
@@ -11020,13 +11140,13 @@
       </p:sp>
       <p:sp>
         <p:nvSpPr>
-          <p:cNvPr id="64" name="모서리가 둥근 직사각형 63"/>
-          <p:cNvSpPr/>
-          <p:nvPr/>
-        </p:nvSpPr>
-        <p:spPr>
-          <a:xfrm>
-            <a:off x="1115616" y="1916832"/>
+          <p:cNvPr id="15" name="모서리가 둥근 직사각형 14"/>
+          <p:cNvSpPr/>
+          <p:nvPr/>
+        </p:nvSpPr>
+        <p:spPr>
+          <a:xfrm>
+            <a:off x="899592" y="4005064"/>
             <a:ext cx="1296144" cy="432048"/>
           </a:xfrm>
           <a:prstGeom prst="roundRect">
@@ -11058,22 +11178,22 @@
           <a:p>
             <a:pPr algn="ctr"/>
             <a:r>
-              <a:rPr lang="en-US" altLang="ko-KR" sz="1600" dirty="0" smtClean="0"/>
-              <a:t>/mypage.do</a:t>
-            </a:r>
-            <a:endParaRPr lang="ko-KR" altLang="en-US" sz="1600" dirty="0"/>
-          </a:p>
-        </p:txBody>
-      </p:sp>
-      <p:sp>
-        <p:nvSpPr>
-          <p:cNvPr id="66" name="모서리가 둥근 직사각형 65"/>
-          <p:cNvSpPr/>
-          <p:nvPr/>
-        </p:nvSpPr>
-        <p:spPr>
-          <a:xfrm>
-            <a:off x="3419872" y="1916832"/>
+              <a:rPr lang="en-US" altLang="ko-KR" dirty="0" smtClean="0"/>
+              <a:t>/sarch.do</a:t>
+            </a:r>
+            <a:endParaRPr lang="ko-KR" altLang="en-US" dirty="0"/>
+          </a:p>
+        </p:txBody>
+      </p:sp>
+      <p:sp>
+        <p:nvSpPr>
+          <p:cNvPr id="18" name="모서리가 둥근 직사각형 17"/>
+          <p:cNvSpPr/>
+          <p:nvPr/>
+        </p:nvSpPr>
+        <p:spPr>
+          <a:xfrm>
+            <a:off x="2555776" y="4005064"/>
             <a:ext cx="1296144" cy="432048"/>
           </a:xfrm>
           <a:prstGeom prst="roundRect">
@@ -11105,26 +11225,26 @@
           <a:p>
             <a:pPr algn="ctr"/>
             <a:r>
-              <a:rPr lang="en-US" altLang="ko-KR" sz="1200" dirty="0" err="1" smtClean="0"/>
-              <a:t>MyPageAction</a:t>
-            </a:r>
-            <a:endParaRPr lang="ko-KR" altLang="en-US" sz="1200" dirty="0"/>
+              <a:rPr lang="en-US" altLang="ko-KR" sz="1400" dirty="0" err="1" smtClean="0"/>
+              <a:t>SearchAction</a:t>
+            </a:r>
+            <a:endParaRPr lang="ko-KR" altLang="en-US" sz="1400" dirty="0"/>
           </a:p>
         </p:txBody>
       </p:sp>
       <p:cxnSp>
         <p:nvCxnSpPr>
-          <p:cNvPr id="79" name="직선 화살표 연결선 78"/>
+          <p:cNvPr id="20" name="직선 화살표 연결선 19"/>
           <p:cNvCxnSpPr>
-            <a:stCxn id="64" idx="3"/>
-            <a:endCxn id="66" idx="1"/>
+            <a:stCxn id="15" idx="3"/>
+            <a:endCxn id="18" idx="1"/>
           </p:cNvCxnSpPr>
           <p:nvPr/>
         </p:nvCxnSpPr>
         <p:spPr>
           <a:xfrm>
-            <a:off x="2411760" y="2132856"/>
-            <a:ext cx="1008112" cy="0"/>
+            <a:off x="2195736" y="4221088"/>
+            <a:ext cx="360040" cy="0"/>
           </a:xfrm>
           <a:prstGeom prst="straightConnector1">
             <a:avLst/>
@@ -11150,13 +11270,13 @@
       </p:cxnSp>
       <p:sp>
         <p:nvSpPr>
-          <p:cNvPr id="80" name="모서리가 둥근 직사각형 79"/>
-          <p:cNvSpPr/>
-          <p:nvPr/>
-        </p:nvSpPr>
-        <p:spPr>
-          <a:xfrm>
-            <a:off x="5868144" y="1916832"/>
+          <p:cNvPr id="21" name="모서리가 둥근 직사각형 20"/>
+          <p:cNvSpPr/>
+          <p:nvPr/>
+        </p:nvSpPr>
+        <p:spPr>
+          <a:xfrm>
+            <a:off x="4283968" y="4005064"/>
             <a:ext cx="1296144" cy="432048"/>
           </a:xfrm>
           <a:prstGeom prst="roundRect">
@@ -11188,8 +11308,8 @@
           <a:p>
             <a:pPr algn="ctr"/>
             <a:r>
-              <a:rPr lang="en-US" altLang="ko-KR" dirty="0" err="1" smtClean="0"/>
-              <a:t>mypage</a:t>
+              <a:rPr lang="en-US" altLang="ko-KR" dirty="0" smtClean="0"/>
+              <a:t>login</a:t>
             </a:r>
             <a:endParaRPr lang="ko-KR" altLang="en-US" dirty="0"/>
           </a:p>
@@ -11197,17 +11317,17 @@
       </p:sp>
       <p:cxnSp>
         <p:nvCxnSpPr>
-          <p:cNvPr id="81" name="직선 화살표 연결선 80"/>
+          <p:cNvPr id="22" name="직선 화살표 연결선 21"/>
           <p:cNvCxnSpPr>
-            <a:stCxn id="66" idx="3"/>
-            <a:endCxn id="80" idx="1"/>
+            <a:stCxn id="18" idx="3"/>
+            <a:endCxn id="21" idx="1"/>
           </p:cNvCxnSpPr>
           <p:nvPr/>
         </p:nvCxnSpPr>
         <p:spPr>
           <a:xfrm>
-            <a:off x="4716016" y="2132856"/>
-            <a:ext cx="1152128" cy="0"/>
+            <a:off x="3851920" y="4221088"/>
+            <a:ext cx="432048" cy="0"/>
           </a:xfrm>
           <a:prstGeom prst="straightConnector1">
             <a:avLst/>
@@ -11233,7 +11353,173 @@
       </p:cxnSp>
       <p:sp>
         <p:nvSpPr>
-          <p:cNvPr id="82" name="제목 1"/>
+          <p:cNvPr id="23" name="모서리가 둥근 직사각형 22"/>
+          <p:cNvSpPr/>
+          <p:nvPr/>
+        </p:nvSpPr>
+        <p:spPr>
+          <a:xfrm>
+            <a:off x="6012160" y="4005064"/>
+            <a:ext cx="1296144" cy="432048"/>
+          </a:xfrm>
+          <a:prstGeom prst="roundRect">
+            <a:avLst/>
+          </a:prstGeom>
+          <a:solidFill>
+            <a:srgbClr val="00B050"/>
+          </a:solidFill>
+        </p:spPr>
+        <p:style>
+          <a:lnRef idx="2">
+            <a:schemeClr val="accent1">
+              <a:shade val="50000"/>
+            </a:schemeClr>
+          </a:lnRef>
+          <a:fillRef idx="1">
+            <a:schemeClr val="accent1"/>
+          </a:fillRef>
+          <a:effectRef idx="0">
+            <a:schemeClr val="accent1"/>
+          </a:effectRef>
+          <a:fontRef idx="minor">
+            <a:schemeClr val="lt1"/>
+          </a:fontRef>
+        </p:style>
+        <p:txBody>
+          <a:bodyPr rtlCol="0" anchor="ctr"/>
+          <a:lstStyle/>
+          <a:p>
+            <a:pPr algn="ctr"/>
+            <a:r>
+              <a:rPr lang="en-US" altLang="ko-KR" sz="1400" dirty="0" err="1" smtClean="0"/>
+              <a:t>SignInAction</a:t>
+            </a:r>
+            <a:endParaRPr lang="ko-KR" altLang="en-US" sz="1400" dirty="0"/>
+          </a:p>
+        </p:txBody>
+      </p:sp>
+      <p:cxnSp>
+        <p:nvCxnSpPr>
+          <p:cNvPr id="24" name="직선 화살표 연결선 23"/>
+          <p:cNvCxnSpPr>
+            <a:stCxn id="21" idx="3"/>
+            <a:endCxn id="23" idx="1"/>
+          </p:cNvCxnSpPr>
+          <p:nvPr/>
+        </p:nvCxnSpPr>
+        <p:spPr>
+          <a:xfrm>
+            <a:off x="5580112" y="4221088"/>
+            <a:ext cx="432048" cy="0"/>
+          </a:xfrm>
+          <a:prstGeom prst="straightConnector1">
+            <a:avLst/>
+          </a:prstGeom>
+          <a:ln>
+            <a:tailEnd type="arrow"/>
+          </a:ln>
+        </p:spPr>
+        <p:style>
+          <a:lnRef idx="1">
+            <a:schemeClr val="accent1"/>
+          </a:lnRef>
+          <a:fillRef idx="0">
+            <a:schemeClr val="accent1"/>
+          </a:fillRef>
+          <a:effectRef idx="0">
+            <a:schemeClr val="accent1"/>
+          </a:effectRef>
+          <a:fontRef idx="minor">
+            <a:schemeClr val="tx1"/>
+          </a:fontRef>
+        </p:style>
+      </p:cxnSp>
+      <p:sp>
+        <p:nvSpPr>
+          <p:cNvPr id="25" name="모서리가 둥근 직사각형 24"/>
+          <p:cNvSpPr/>
+          <p:nvPr/>
+        </p:nvSpPr>
+        <p:spPr>
+          <a:xfrm>
+            <a:off x="7596336" y="4005064"/>
+            <a:ext cx="1296144" cy="432048"/>
+          </a:xfrm>
+          <a:prstGeom prst="roundRect">
+            <a:avLst/>
+          </a:prstGeom>
+          <a:solidFill>
+            <a:srgbClr val="00B0F0"/>
+          </a:solidFill>
+        </p:spPr>
+        <p:style>
+          <a:lnRef idx="2">
+            <a:schemeClr val="accent1">
+              <a:shade val="50000"/>
+            </a:schemeClr>
+          </a:lnRef>
+          <a:fillRef idx="1">
+            <a:schemeClr val="accent1"/>
+          </a:fillRef>
+          <a:effectRef idx="0">
+            <a:schemeClr val="accent1"/>
+          </a:effectRef>
+          <a:fontRef idx="minor">
+            <a:schemeClr val="lt1"/>
+          </a:fontRef>
+        </p:style>
+        <p:txBody>
+          <a:bodyPr rtlCol="0" anchor="ctr"/>
+          <a:lstStyle/>
+          <a:p>
+            <a:pPr algn="ctr"/>
+            <a:r>
+              <a:rPr lang="en-US" altLang="ko-KR" dirty="0" smtClean="0"/>
+              <a:t>/index.do</a:t>
+            </a:r>
+            <a:endParaRPr lang="ko-KR" altLang="en-US" dirty="0"/>
+          </a:p>
+        </p:txBody>
+      </p:sp>
+      <p:cxnSp>
+        <p:nvCxnSpPr>
+          <p:cNvPr id="26" name="직선 화살표 연결선 25"/>
+          <p:cNvCxnSpPr>
+            <a:stCxn id="23" idx="3"/>
+            <a:endCxn id="25" idx="1"/>
+          </p:cNvCxnSpPr>
+          <p:nvPr/>
+        </p:nvCxnSpPr>
+        <p:spPr>
+          <a:xfrm>
+            <a:off x="7308304" y="4221088"/>
+            <a:ext cx="288032" cy="0"/>
+          </a:xfrm>
+          <a:prstGeom prst="straightConnector1">
+            <a:avLst/>
+          </a:prstGeom>
+          <a:ln>
+            <a:tailEnd type="arrow"/>
+          </a:ln>
+        </p:spPr>
+        <p:style>
+          <a:lnRef idx="1">
+            <a:schemeClr val="accent1"/>
+          </a:lnRef>
+          <a:fillRef idx="0">
+            <a:schemeClr val="accent1"/>
+          </a:fillRef>
+          <a:effectRef idx="0">
+            <a:schemeClr val="accent1"/>
+          </a:effectRef>
+          <a:fontRef idx="minor">
+            <a:schemeClr val="tx1"/>
+          </a:fontRef>
+        </p:style>
+      </p:cxnSp>
+      <p:sp>
+        <p:nvSpPr>
+          <p:cNvPr id="27" name="제목 1"/>
           <p:cNvSpPr txBox="1">
             <a:spLocks/>
           </p:cNvSpPr>
@@ -11241,8 +11527,8 @@
         </p:nvSpPr>
         <p:spPr>
           <a:xfrm>
-            <a:off x="0" y="1916832"/>
-            <a:ext cx="1043608" cy="432048"/>
+            <a:off x="0" y="4005064"/>
+            <a:ext cx="899592" cy="432048"/>
           </a:xfrm>
           <a:prstGeom prst="rect">
             <a:avLst/>
@@ -11271,6 +11557,316 @@
           <a:p>
             <a:pPr algn="ctr"/>
             <a:r>
+              <a:rPr lang="ko-KR" altLang="en-US" sz="2000" dirty="0" smtClean="0">
+                <a:solidFill>
+                  <a:schemeClr val="tx1"/>
+                </a:solidFill>
+                <a:latin typeface="HY견고딕" panose="02030600000101010101" pitchFamily="18" charset="-127"/>
+                <a:ea typeface="HY견고딕" panose="02030600000101010101" pitchFamily="18" charset="-127"/>
+              </a:rPr>
+              <a:t>종합검색</a:t>
+            </a:r>
+            <a:endParaRPr lang="ko-KR" altLang="en-US" sz="2000" dirty="0">
+              <a:solidFill>
+                <a:schemeClr val="tx1"/>
+              </a:solidFill>
+              <a:latin typeface="HY견고딕" panose="02030600000101010101" pitchFamily="18" charset="-127"/>
+              <a:ea typeface="HY견고딕" panose="02030600000101010101" pitchFamily="18" charset="-127"/>
+            </a:endParaRPr>
+          </a:p>
+        </p:txBody>
+      </p:sp>
+      <p:sp>
+        <p:nvSpPr>
+          <p:cNvPr id="28" name="TextBox 27"/>
+          <p:cNvSpPr txBox="1"/>
+          <p:nvPr/>
+        </p:nvSpPr>
+        <p:spPr>
+          <a:xfrm>
+            <a:off x="-1037698" y="4005064"/>
+            <a:ext cx="972616" cy="369332"/>
+          </a:xfrm>
+          <a:prstGeom prst="rect">
+            <a:avLst/>
+          </a:prstGeom>
+          <a:noFill/>
+        </p:spPr>
+        <p:txBody>
+          <a:bodyPr wrap="square" rtlCol="0">
+            <a:spAutoFit/>
+          </a:bodyPr>
+          <a:lstStyle/>
+          <a:p>
+            <a:r>
+              <a:rPr lang="ko-KR" altLang="en-US" b="1" dirty="0" smtClean="0">
+                <a:solidFill>
+                  <a:srgbClr val="FF0000"/>
+                </a:solidFill>
+              </a:rPr>
+              <a:t>김혜리</a:t>
+            </a:r>
+            <a:endParaRPr lang="ko-KR" altLang="en-US" b="1" dirty="0">
+              <a:solidFill>
+                <a:srgbClr val="FF0000"/>
+              </a:solidFill>
+            </a:endParaRPr>
+          </a:p>
+        </p:txBody>
+      </p:sp>
+      <p:sp>
+        <p:nvSpPr>
+          <p:cNvPr id="29" name="모서리가 둥근 직사각형 28"/>
+          <p:cNvSpPr/>
+          <p:nvPr/>
+        </p:nvSpPr>
+        <p:spPr>
+          <a:xfrm>
+            <a:off x="1115616" y="4725144"/>
+            <a:ext cx="1296144" cy="432048"/>
+          </a:xfrm>
+          <a:prstGeom prst="roundRect">
+            <a:avLst/>
+          </a:prstGeom>
+          <a:solidFill>
+            <a:srgbClr val="00B0F0"/>
+          </a:solidFill>
+        </p:spPr>
+        <p:style>
+          <a:lnRef idx="2">
+            <a:schemeClr val="accent1">
+              <a:shade val="50000"/>
+            </a:schemeClr>
+          </a:lnRef>
+          <a:fillRef idx="1">
+            <a:schemeClr val="accent1"/>
+          </a:fillRef>
+          <a:effectRef idx="0">
+            <a:schemeClr val="accent1"/>
+          </a:effectRef>
+          <a:fontRef idx="minor">
+            <a:schemeClr val="lt1"/>
+          </a:fontRef>
+        </p:style>
+        <p:txBody>
+          <a:bodyPr rtlCol="0" anchor="ctr"/>
+          <a:lstStyle/>
+          <a:p>
+            <a:pPr algn="ctr"/>
+            <a:r>
+              <a:rPr lang="en-US" altLang="ko-KR" sz="1600" dirty="0" smtClean="0"/>
+              <a:t>/mypage.do</a:t>
+            </a:r>
+            <a:endParaRPr lang="ko-KR" altLang="en-US" sz="1600" dirty="0"/>
+          </a:p>
+        </p:txBody>
+      </p:sp>
+      <p:sp>
+        <p:nvSpPr>
+          <p:cNvPr id="30" name="모서리가 둥근 직사각형 29"/>
+          <p:cNvSpPr/>
+          <p:nvPr/>
+        </p:nvSpPr>
+        <p:spPr>
+          <a:xfrm>
+            <a:off x="3419872" y="4725144"/>
+            <a:ext cx="1296144" cy="432048"/>
+          </a:xfrm>
+          <a:prstGeom prst="roundRect">
+            <a:avLst/>
+          </a:prstGeom>
+          <a:solidFill>
+            <a:srgbClr val="00B050"/>
+          </a:solidFill>
+        </p:spPr>
+        <p:style>
+          <a:lnRef idx="2">
+            <a:schemeClr val="accent1">
+              <a:shade val="50000"/>
+            </a:schemeClr>
+          </a:lnRef>
+          <a:fillRef idx="1">
+            <a:schemeClr val="accent1"/>
+          </a:fillRef>
+          <a:effectRef idx="0">
+            <a:schemeClr val="accent1"/>
+          </a:effectRef>
+          <a:fontRef idx="minor">
+            <a:schemeClr val="lt1"/>
+          </a:fontRef>
+        </p:style>
+        <p:txBody>
+          <a:bodyPr rtlCol="0" anchor="ctr"/>
+          <a:lstStyle/>
+          <a:p>
+            <a:pPr algn="ctr"/>
+            <a:r>
+              <a:rPr lang="en-US" altLang="ko-KR" sz="1200" dirty="0" err="1" smtClean="0"/>
+              <a:t>MyPageAction</a:t>
+            </a:r>
+            <a:endParaRPr lang="ko-KR" altLang="en-US" sz="1200" dirty="0"/>
+          </a:p>
+        </p:txBody>
+      </p:sp>
+      <p:cxnSp>
+        <p:nvCxnSpPr>
+          <p:cNvPr id="31" name="직선 화살표 연결선 30"/>
+          <p:cNvCxnSpPr>
+            <a:stCxn id="29" idx="3"/>
+            <a:endCxn id="30" idx="1"/>
+          </p:cNvCxnSpPr>
+          <p:nvPr/>
+        </p:nvCxnSpPr>
+        <p:spPr>
+          <a:xfrm>
+            <a:off x="2411760" y="4941168"/>
+            <a:ext cx="1008112" cy="0"/>
+          </a:xfrm>
+          <a:prstGeom prst="straightConnector1">
+            <a:avLst/>
+          </a:prstGeom>
+          <a:ln>
+            <a:tailEnd type="arrow"/>
+          </a:ln>
+        </p:spPr>
+        <p:style>
+          <a:lnRef idx="1">
+            <a:schemeClr val="accent1"/>
+          </a:lnRef>
+          <a:fillRef idx="0">
+            <a:schemeClr val="accent1"/>
+          </a:fillRef>
+          <a:effectRef idx="0">
+            <a:schemeClr val="accent1"/>
+          </a:effectRef>
+          <a:fontRef idx="minor">
+            <a:schemeClr val="tx1"/>
+          </a:fontRef>
+        </p:style>
+      </p:cxnSp>
+      <p:sp>
+        <p:nvSpPr>
+          <p:cNvPr id="32" name="모서리가 둥근 직사각형 31"/>
+          <p:cNvSpPr/>
+          <p:nvPr/>
+        </p:nvSpPr>
+        <p:spPr>
+          <a:xfrm>
+            <a:off x="5868144" y="4725144"/>
+            <a:ext cx="1296144" cy="432048"/>
+          </a:xfrm>
+          <a:prstGeom prst="roundRect">
+            <a:avLst/>
+          </a:prstGeom>
+          <a:solidFill>
+            <a:srgbClr val="FFC000"/>
+          </a:solidFill>
+        </p:spPr>
+        <p:style>
+          <a:lnRef idx="2">
+            <a:schemeClr val="accent1">
+              <a:shade val="50000"/>
+            </a:schemeClr>
+          </a:lnRef>
+          <a:fillRef idx="1">
+            <a:schemeClr val="accent1"/>
+          </a:fillRef>
+          <a:effectRef idx="0">
+            <a:schemeClr val="accent1"/>
+          </a:effectRef>
+          <a:fontRef idx="minor">
+            <a:schemeClr val="lt1"/>
+          </a:fontRef>
+        </p:style>
+        <p:txBody>
+          <a:bodyPr rtlCol="0" anchor="ctr"/>
+          <a:lstStyle/>
+          <a:p>
+            <a:pPr algn="ctr"/>
+            <a:r>
+              <a:rPr lang="en-US" altLang="ko-KR" dirty="0" err="1" smtClean="0"/>
+              <a:t>mypage</a:t>
+            </a:r>
+            <a:endParaRPr lang="ko-KR" altLang="en-US" dirty="0"/>
+          </a:p>
+        </p:txBody>
+      </p:sp>
+      <p:cxnSp>
+        <p:nvCxnSpPr>
+          <p:cNvPr id="33" name="직선 화살표 연결선 32"/>
+          <p:cNvCxnSpPr>
+            <a:stCxn id="30" idx="3"/>
+            <a:endCxn id="32" idx="1"/>
+          </p:cNvCxnSpPr>
+          <p:nvPr/>
+        </p:nvCxnSpPr>
+        <p:spPr>
+          <a:xfrm>
+            <a:off x="4716016" y="4941168"/>
+            <a:ext cx="1152128" cy="0"/>
+          </a:xfrm>
+          <a:prstGeom prst="straightConnector1">
+            <a:avLst/>
+          </a:prstGeom>
+          <a:ln>
+            <a:tailEnd type="arrow"/>
+          </a:ln>
+        </p:spPr>
+        <p:style>
+          <a:lnRef idx="1">
+            <a:schemeClr val="accent1"/>
+          </a:lnRef>
+          <a:fillRef idx="0">
+            <a:schemeClr val="accent1"/>
+          </a:fillRef>
+          <a:effectRef idx="0">
+            <a:schemeClr val="accent1"/>
+          </a:effectRef>
+          <a:fontRef idx="minor">
+            <a:schemeClr val="tx1"/>
+          </a:fontRef>
+        </p:style>
+      </p:cxnSp>
+      <p:sp>
+        <p:nvSpPr>
+          <p:cNvPr id="34" name="제목 1"/>
+          <p:cNvSpPr txBox="1">
+            <a:spLocks/>
+          </p:cNvSpPr>
+          <p:nvPr/>
+        </p:nvSpPr>
+        <p:spPr>
+          <a:xfrm>
+            <a:off x="0" y="4725144"/>
+            <a:ext cx="1043608" cy="432048"/>
+          </a:xfrm>
+          <a:prstGeom prst="rect">
+            <a:avLst/>
+          </a:prstGeom>
+        </p:spPr>
+        <p:txBody>
+          <a:bodyPr vert="horz" lIns="91440" tIns="45720" rIns="91440" bIns="45720" rtlCol="0" anchor="ctr">
+            <a:normAutofit fontScale="70000" lnSpcReduction="20000"/>
+          </a:bodyPr>
+          <a:lstStyle>
+            <a:lvl1pPr algn="l" defTabSz="914400" rtl="0" eaLnBrk="1" latinLnBrk="1" hangingPunct="1">
+              <a:spcBef>
+                <a:spcPct val="0"/>
+              </a:spcBef>
+              <a:buNone/>
+              <a:defRPr sz="3600" kern="1200" cap="all" spc="-60" baseline="0">
+                <a:solidFill>
+                  <a:schemeClr val="tx2"/>
+                </a:solidFill>
+                <a:latin typeface="+mj-lt"/>
+                <a:ea typeface="+mj-ea"/>
+                <a:cs typeface="+mj-cs"/>
+              </a:defRPr>
+            </a:lvl1pPr>
+          </a:lstStyle>
+          <a:p>
+            <a:pPr algn="ctr"/>
+            <a:r>
               <a:rPr lang="ko-KR" altLang="en-US" sz="2000" dirty="0" err="1" smtClean="0">
                 <a:solidFill>
                   <a:schemeClr val="tx1"/>
@@ -11302,7 +11898,7 @@
       </p:sp>
       <p:sp>
         <p:nvSpPr>
-          <p:cNvPr id="83" name="제목 1"/>
+          <p:cNvPr id="35" name="제목 1"/>
           <p:cNvSpPr txBox="1">
             <a:spLocks/>
           </p:cNvSpPr>
@@ -11310,7 +11906,7 @@
         </p:nvSpPr>
         <p:spPr>
           <a:xfrm>
-            <a:off x="2376264" y="1772816"/>
+            <a:off x="2376264" y="4581128"/>
             <a:ext cx="1043608" cy="432048"/>
           </a:xfrm>
           <a:prstGeom prst="rect">
@@ -11351,13 +11947,13 @@
       </p:sp>
       <p:sp>
         <p:nvSpPr>
-          <p:cNvPr id="88" name="TextBox 87"/>
+          <p:cNvPr id="36" name="TextBox 35"/>
           <p:cNvSpPr txBox="1"/>
           <p:nvPr/>
         </p:nvSpPr>
         <p:spPr>
           <a:xfrm>
-            <a:off x="2339752" y="1642011"/>
+            <a:off x="2339752" y="4450323"/>
             <a:ext cx="1107592" cy="261610"/>
           </a:xfrm>
           <a:prstGeom prst="rect">
@@ -11378,6 +11974,631 @@
             <a:r>
               <a:rPr lang="en-US" altLang="ko-KR" sz="1100" dirty="0" err="1" smtClean="0"/>
               <a:t>user.idx</a:t>
+            </a:r>
+            <a:endParaRPr lang="ko-KR" altLang="en-US" sz="1100" dirty="0"/>
+          </a:p>
+        </p:txBody>
+      </p:sp>
+      <p:sp>
+        <p:nvSpPr>
+          <p:cNvPr id="37" name="TextBox 36"/>
+          <p:cNvSpPr txBox="1"/>
+          <p:nvPr/>
+        </p:nvSpPr>
+        <p:spPr>
+          <a:xfrm>
+            <a:off x="-1019342" y="4756502"/>
+            <a:ext cx="972616" cy="369332"/>
+          </a:xfrm>
+          <a:prstGeom prst="rect">
+            <a:avLst/>
+          </a:prstGeom>
+          <a:noFill/>
+        </p:spPr>
+        <p:txBody>
+          <a:bodyPr wrap="square" rtlCol="0">
+            <a:spAutoFit/>
+          </a:bodyPr>
+          <a:lstStyle/>
+          <a:p>
+            <a:r>
+              <a:rPr lang="ko-KR" altLang="en-US" b="1" dirty="0" smtClean="0">
+                <a:solidFill>
+                  <a:srgbClr val="FF0000"/>
+                </a:solidFill>
+              </a:rPr>
+              <a:t>김혜리</a:t>
+            </a:r>
+            <a:endParaRPr lang="ko-KR" altLang="en-US" b="1" dirty="0">
+              <a:solidFill>
+                <a:srgbClr val="FF0000"/>
+              </a:solidFill>
+            </a:endParaRPr>
+          </a:p>
+        </p:txBody>
+      </p:sp>
+      <p:sp>
+        <p:nvSpPr>
+          <p:cNvPr id="38" name="모서리가 둥근 직사각형 37"/>
+          <p:cNvSpPr/>
+          <p:nvPr/>
+        </p:nvSpPr>
+        <p:spPr>
+          <a:xfrm>
+            <a:off x="892666" y="1988840"/>
+            <a:ext cx="1296144" cy="432048"/>
+          </a:xfrm>
+          <a:prstGeom prst="roundRect">
+            <a:avLst/>
+          </a:prstGeom>
+          <a:solidFill>
+            <a:srgbClr val="00B0F0"/>
+          </a:solidFill>
+        </p:spPr>
+        <p:style>
+          <a:lnRef idx="2">
+            <a:schemeClr val="accent1">
+              <a:shade val="50000"/>
+            </a:schemeClr>
+          </a:lnRef>
+          <a:fillRef idx="1">
+            <a:schemeClr val="accent1"/>
+          </a:fillRef>
+          <a:effectRef idx="0">
+            <a:schemeClr val="accent1"/>
+          </a:effectRef>
+          <a:fontRef idx="minor">
+            <a:schemeClr val="lt1"/>
+          </a:fontRef>
+        </p:style>
+        <p:txBody>
+          <a:bodyPr rtlCol="0" anchor="ctr"/>
+          <a:lstStyle/>
+          <a:p>
+            <a:pPr algn="ctr"/>
+            <a:r>
+              <a:rPr lang="en-US" altLang="ko-KR" sz="1600" dirty="0" smtClean="0"/>
+              <a:t>/myField.do</a:t>
+            </a:r>
+            <a:endParaRPr lang="ko-KR" altLang="en-US" sz="1100" dirty="0"/>
+          </a:p>
+        </p:txBody>
+      </p:sp>
+      <p:sp>
+        <p:nvSpPr>
+          <p:cNvPr id="39" name="모서리가 둥근 직사각형 38"/>
+          <p:cNvSpPr/>
+          <p:nvPr/>
+        </p:nvSpPr>
+        <p:spPr>
+          <a:xfrm>
+            <a:off x="2548850" y="1988840"/>
+            <a:ext cx="1296144" cy="432048"/>
+          </a:xfrm>
+          <a:prstGeom prst="roundRect">
+            <a:avLst/>
+          </a:prstGeom>
+          <a:solidFill>
+            <a:srgbClr val="00B050"/>
+          </a:solidFill>
+        </p:spPr>
+        <p:style>
+          <a:lnRef idx="2">
+            <a:schemeClr val="accent1">
+              <a:shade val="50000"/>
+            </a:schemeClr>
+          </a:lnRef>
+          <a:fillRef idx="1">
+            <a:schemeClr val="accent1"/>
+          </a:fillRef>
+          <a:effectRef idx="0">
+            <a:schemeClr val="accent1"/>
+          </a:effectRef>
+          <a:fontRef idx="minor">
+            <a:schemeClr val="lt1"/>
+          </a:fontRef>
+        </p:style>
+        <p:txBody>
+          <a:bodyPr rtlCol="0" anchor="ctr"/>
+          <a:lstStyle/>
+          <a:p>
+            <a:pPr algn="ctr"/>
+            <a:r>
+              <a:rPr lang="en-US" altLang="ko-KR" sz="1200" dirty="0" smtClean="0"/>
+              <a:t>/</a:t>
+            </a:r>
+            <a:r>
+              <a:rPr lang="en-US" altLang="ko-KR" sz="1200" dirty="0" err="1" smtClean="0"/>
+              <a:t>MyFieldAction</a:t>
+            </a:r>
+            <a:endParaRPr lang="ko-KR" altLang="en-US" sz="1200" dirty="0"/>
+          </a:p>
+        </p:txBody>
+      </p:sp>
+      <p:cxnSp>
+        <p:nvCxnSpPr>
+          <p:cNvPr id="40" name="직선 화살표 연결선 39"/>
+          <p:cNvCxnSpPr>
+            <a:stCxn id="38" idx="3"/>
+            <a:endCxn id="39" idx="1"/>
+          </p:cNvCxnSpPr>
+          <p:nvPr/>
+        </p:nvCxnSpPr>
+        <p:spPr>
+          <a:xfrm>
+            <a:off x="2188810" y="2204864"/>
+            <a:ext cx="360040" cy="0"/>
+          </a:xfrm>
+          <a:prstGeom prst="straightConnector1">
+            <a:avLst/>
+          </a:prstGeom>
+          <a:ln>
+            <a:tailEnd type="arrow"/>
+          </a:ln>
+        </p:spPr>
+        <p:style>
+          <a:lnRef idx="1">
+            <a:schemeClr val="accent1"/>
+          </a:lnRef>
+          <a:fillRef idx="0">
+            <a:schemeClr val="accent1"/>
+          </a:fillRef>
+          <a:effectRef idx="0">
+            <a:schemeClr val="accent1"/>
+          </a:effectRef>
+          <a:fontRef idx="minor">
+            <a:schemeClr val="tx1"/>
+          </a:fontRef>
+        </p:style>
+      </p:cxnSp>
+      <p:sp>
+        <p:nvSpPr>
+          <p:cNvPr id="41" name="모서리가 둥근 직사각형 40"/>
+          <p:cNvSpPr/>
+          <p:nvPr/>
+        </p:nvSpPr>
+        <p:spPr>
+          <a:xfrm>
+            <a:off x="4277042" y="1988840"/>
+            <a:ext cx="1296144" cy="432048"/>
+          </a:xfrm>
+          <a:prstGeom prst="roundRect">
+            <a:avLst/>
+          </a:prstGeom>
+          <a:solidFill>
+            <a:srgbClr val="FFC000"/>
+          </a:solidFill>
+        </p:spPr>
+        <p:style>
+          <a:lnRef idx="2">
+            <a:schemeClr val="accent1">
+              <a:shade val="50000"/>
+            </a:schemeClr>
+          </a:lnRef>
+          <a:fillRef idx="1">
+            <a:schemeClr val="accent1"/>
+          </a:fillRef>
+          <a:effectRef idx="0">
+            <a:schemeClr val="accent1"/>
+          </a:effectRef>
+          <a:fontRef idx="minor">
+            <a:schemeClr val="lt1"/>
+          </a:fontRef>
+        </p:style>
+        <p:txBody>
+          <a:bodyPr rtlCol="0" anchor="ctr"/>
+          <a:lstStyle/>
+          <a:p>
+            <a:pPr algn="ctr"/>
+            <a:r>
+              <a:rPr lang="en-US" altLang="ko-KR" dirty="0" err="1" smtClean="0"/>
+              <a:t>myField</a:t>
+            </a:r>
+            <a:endParaRPr lang="ko-KR" altLang="en-US" dirty="0"/>
+          </a:p>
+        </p:txBody>
+      </p:sp>
+      <p:cxnSp>
+        <p:nvCxnSpPr>
+          <p:cNvPr id="42" name="직선 화살표 연결선 41"/>
+          <p:cNvCxnSpPr>
+            <a:stCxn id="39" idx="3"/>
+            <a:endCxn id="41" idx="1"/>
+          </p:cNvCxnSpPr>
+          <p:nvPr/>
+        </p:nvCxnSpPr>
+        <p:spPr>
+          <a:xfrm>
+            <a:off x="3844994" y="2204864"/>
+            <a:ext cx="432048" cy="0"/>
+          </a:xfrm>
+          <a:prstGeom prst="straightConnector1">
+            <a:avLst/>
+          </a:prstGeom>
+          <a:ln>
+            <a:tailEnd type="arrow"/>
+          </a:ln>
+        </p:spPr>
+        <p:style>
+          <a:lnRef idx="1">
+            <a:schemeClr val="accent1"/>
+          </a:lnRef>
+          <a:fillRef idx="0">
+            <a:schemeClr val="accent1"/>
+          </a:fillRef>
+          <a:effectRef idx="0">
+            <a:schemeClr val="accent1"/>
+          </a:effectRef>
+          <a:fontRef idx="minor">
+            <a:schemeClr val="tx1"/>
+          </a:fontRef>
+        </p:style>
+      </p:cxnSp>
+      <p:sp>
+        <p:nvSpPr>
+          <p:cNvPr id="43" name="모서리가 둥근 직사각형 42"/>
+          <p:cNvSpPr/>
+          <p:nvPr/>
+        </p:nvSpPr>
+        <p:spPr>
+          <a:xfrm>
+            <a:off x="7452320" y="1988840"/>
+            <a:ext cx="1296144" cy="432048"/>
+          </a:xfrm>
+          <a:prstGeom prst="roundRect">
+            <a:avLst/>
+          </a:prstGeom>
+          <a:solidFill>
+            <a:srgbClr val="00B050"/>
+          </a:solidFill>
+        </p:spPr>
+        <p:style>
+          <a:lnRef idx="2">
+            <a:schemeClr val="accent1">
+              <a:shade val="50000"/>
+            </a:schemeClr>
+          </a:lnRef>
+          <a:fillRef idx="1">
+            <a:schemeClr val="accent1"/>
+          </a:fillRef>
+          <a:effectRef idx="0">
+            <a:schemeClr val="accent1"/>
+          </a:effectRef>
+          <a:fontRef idx="minor">
+            <a:schemeClr val="lt1"/>
+          </a:fontRef>
+        </p:style>
+        <p:txBody>
+          <a:bodyPr rtlCol="0" anchor="ctr"/>
+          <a:lstStyle/>
+          <a:p>
+            <a:pPr algn="ctr"/>
+            <a:r>
+              <a:rPr lang="en-US" altLang="ko-KR" sz="1600" dirty="0" smtClean="0"/>
+              <a:t>/</a:t>
+            </a:r>
+            <a:r>
+              <a:rPr lang="en-US" altLang="ko-KR" sz="1600" dirty="0" err="1" smtClean="0"/>
+              <a:t>registFieldAction</a:t>
+            </a:r>
+            <a:endParaRPr lang="ko-KR" altLang="en-US" sz="1600" dirty="0"/>
+          </a:p>
+        </p:txBody>
+      </p:sp>
+      <p:cxnSp>
+        <p:nvCxnSpPr>
+          <p:cNvPr id="44" name="직선 화살표 연결선 43"/>
+          <p:cNvCxnSpPr>
+            <a:stCxn id="45" idx="3"/>
+            <a:endCxn id="43" idx="1"/>
+          </p:cNvCxnSpPr>
+          <p:nvPr/>
+        </p:nvCxnSpPr>
+        <p:spPr>
+          <a:xfrm>
+            <a:off x="7164288" y="2204864"/>
+            <a:ext cx="288032" cy="0"/>
+          </a:xfrm>
+          <a:prstGeom prst="straightConnector1">
+            <a:avLst/>
+          </a:prstGeom>
+          <a:ln>
+            <a:tailEnd type="arrow"/>
+          </a:ln>
+        </p:spPr>
+        <p:style>
+          <a:lnRef idx="1">
+            <a:schemeClr val="accent1"/>
+          </a:lnRef>
+          <a:fillRef idx="0">
+            <a:schemeClr val="accent1"/>
+          </a:fillRef>
+          <a:effectRef idx="0">
+            <a:schemeClr val="accent1"/>
+          </a:effectRef>
+          <a:fontRef idx="minor">
+            <a:schemeClr val="tx1"/>
+          </a:fontRef>
+        </p:style>
+      </p:cxnSp>
+      <p:sp>
+        <p:nvSpPr>
+          <p:cNvPr id="45" name="모서리가 둥근 직사각형 44"/>
+          <p:cNvSpPr/>
+          <p:nvPr/>
+        </p:nvSpPr>
+        <p:spPr>
+          <a:xfrm>
+            <a:off x="5868144" y="1988840"/>
+            <a:ext cx="1296144" cy="432048"/>
+          </a:xfrm>
+          <a:prstGeom prst="roundRect">
+            <a:avLst/>
+          </a:prstGeom>
+          <a:solidFill>
+            <a:srgbClr val="00B0F0"/>
+          </a:solidFill>
+        </p:spPr>
+        <p:style>
+          <a:lnRef idx="2">
+            <a:schemeClr val="accent1">
+              <a:shade val="50000"/>
+            </a:schemeClr>
+          </a:lnRef>
+          <a:fillRef idx="1">
+            <a:schemeClr val="accent1"/>
+          </a:fillRef>
+          <a:effectRef idx="0">
+            <a:schemeClr val="accent1"/>
+          </a:effectRef>
+          <a:fontRef idx="minor">
+            <a:schemeClr val="lt1"/>
+          </a:fontRef>
+        </p:style>
+        <p:txBody>
+          <a:bodyPr rtlCol="0" anchor="ctr"/>
+          <a:lstStyle/>
+          <a:p>
+            <a:pPr algn="ctr"/>
+            <a:r>
+              <a:rPr lang="en-US" altLang="ko-KR" sz="1600" dirty="0" smtClean="0"/>
+              <a:t>/registField.do</a:t>
+            </a:r>
+            <a:endParaRPr lang="ko-KR" altLang="en-US" sz="1600" dirty="0"/>
+          </a:p>
+        </p:txBody>
+      </p:sp>
+      <p:cxnSp>
+        <p:nvCxnSpPr>
+          <p:cNvPr id="46" name="직선 화살표 연결선 45"/>
+          <p:cNvCxnSpPr>
+            <a:stCxn id="41" idx="3"/>
+            <a:endCxn id="45" idx="1"/>
+          </p:cNvCxnSpPr>
+          <p:nvPr/>
+        </p:nvCxnSpPr>
+        <p:spPr>
+          <a:xfrm>
+            <a:off x="5573186" y="2204864"/>
+            <a:ext cx="294958" cy="0"/>
+          </a:xfrm>
+          <a:prstGeom prst="straightConnector1">
+            <a:avLst/>
+          </a:prstGeom>
+          <a:ln>
+            <a:tailEnd type="arrow"/>
+          </a:ln>
+        </p:spPr>
+        <p:style>
+          <a:lnRef idx="1">
+            <a:schemeClr val="accent1"/>
+          </a:lnRef>
+          <a:fillRef idx="0">
+            <a:schemeClr val="accent1"/>
+          </a:fillRef>
+          <a:effectRef idx="0">
+            <a:schemeClr val="accent1"/>
+          </a:effectRef>
+          <a:fontRef idx="minor">
+            <a:schemeClr val="tx1"/>
+          </a:fontRef>
+        </p:style>
+      </p:cxnSp>
+      <p:sp>
+        <p:nvSpPr>
+          <p:cNvPr id="47" name="제목 1"/>
+          <p:cNvSpPr txBox="1">
+            <a:spLocks/>
+          </p:cNvSpPr>
+          <p:nvPr/>
+        </p:nvSpPr>
+        <p:spPr>
+          <a:xfrm>
+            <a:off x="-6926" y="1988840"/>
+            <a:ext cx="899592" cy="432048"/>
+          </a:xfrm>
+          <a:prstGeom prst="rect">
+            <a:avLst/>
+          </a:prstGeom>
+        </p:spPr>
+        <p:txBody>
+          <a:bodyPr vert="horz" lIns="91440" tIns="45720" rIns="91440" bIns="45720" rtlCol="0" anchor="ctr">
+            <a:normAutofit fontScale="62500" lnSpcReduction="20000"/>
+          </a:bodyPr>
+          <a:lstStyle>
+            <a:lvl1pPr algn="l" defTabSz="914400" rtl="0" eaLnBrk="1" latinLnBrk="1" hangingPunct="1">
+              <a:spcBef>
+                <a:spcPct val="0"/>
+              </a:spcBef>
+              <a:buNone/>
+              <a:defRPr sz="3600" kern="1200" cap="all" spc="-60" baseline="0">
+                <a:solidFill>
+                  <a:schemeClr val="tx2"/>
+                </a:solidFill>
+                <a:latin typeface="+mj-lt"/>
+                <a:ea typeface="+mj-ea"/>
+                <a:cs typeface="+mj-cs"/>
+              </a:defRPr>
+            </a:lvl1pPr>
+          </a:lstStyle>
+          <a:p>
+            <a:pPr algn="ctr"/>
+            <a:r>
+              <a:rPr lang="ko-KR" altLang="en-US" sz="2000" dirty="0" smtClean="0">
+                <a:solidFill>
+                  <a:schemeClr val="tx1"/>
+                </a:solidFill>
+                <a:latin typeface="HY견고딕" panose="02030600000101010101" pitchFamily="18" charset="-127"/>
+                <a:ea typeface="HY견고딕" panose="02030600000101010101" pitchFamily="18" charset="-127"/>
+              </a:rPr>
+              <a:t>전문분야 </a:t>
+            </a:r>
+            <a:r>
+              <a:rPr lang="ko-KR" altLang="en-US" sz="2000" dirty="0" smtClean="0">
+                <a:solidFill>
+                  <a:schemeClr val="tx1"/>
+                </a:solidFill>
+                <a:latin typeface="HY견고딕" panose="02030600000101010101" pitchFamily="18" charset="-127"/>
+                <a:ea typeface="HY견고딕" panose="02030600000101010101" pitchFamily="18" charset="-127"/>
+              </a:rPr>
+              <a:t>등</a:t>
+            </a:r>
+            <a:r>
+              <a:rPr lang="ko-KR" altLang="en-US" sz="2000" dirty="0">
+                <a:solidFill>
+                  <a:schemeClr val="tx1"/>
+                </a:solidFill>
+                <a:latin typeface="HY견고딕" panose="02030600000101010101" pitchFamily="18" charset="-127"/>
+                <a:ea typeface="HY견고딕" panose="02030600000101010101" pitchFamily="18" charset="-127"/>
+              </a:rPr>
+              <a:t>록</a:t>
+            </a:r>
+            <a:endParaRPr lang="ko-KR" altLang="en-US" sz="2000" dirty="0">
+              <a:solidFill>
+                <a:schemeClr val="tx1"/>
+              </a:solidFill>
+              <a:latin typeface="HY견고딕" panose="02030600000101010101" pitchFamily="18" charset="-127"/>
+              <a:ea typeface="HY견고딕" panose="02030600000101010101" pitchFamily="18" charset="-127"/>
+            </a:endParaRPr>
+          </a:p>
+        </p:txBody>
+      </p:sp>
+      <p:sp>
+        <p:nvSpPr>
+          <p:cNvPr id="48" name="TextBox 47"/>
+          <p:cNvSpPr txBox="1"/>
+          <p:nvPr/>
+        </p:nvSpPr>
+        <p:spPr>
+          <a:xfrm>
+            <a:off x="-1044624" y="1988840"/>
+            <a:ext cx="972616" cy="369332"/>
+          </a:xfrm>
+          <a:prstGeom prst="rect">
+            <a:avLst/>
+          </a:prstGeom>
+          <a:noFill/>
+        </p:spPr>
+        <p:txBody>
+          <a:bodyPr wrap="square" rtlCol="0">
+            <a:spAutoFit/>
+          </a:bodyPr>
+          <a:lstStyle/>
+          <a:p>
+            <a:r>
+              <a:rPr lang="ko-KR" altLang="en-US" b="1" dirty="0" smtClean="0">
+                <a:solidFill>
+                  <a:srgbClr val="FF0000"/>
+                </a:solidFill>
+              </a:rPr>
+              <a:t>이우진</a:t>
+            </a:r>
+            <a:endParaRPr lang="ko-KR" altLang="en-US" b="1" dirty="0">
+              <a:solidFill>
+                <a:srgbClr val="FF0000"/>
+              </a:solidFill>
+            </a:endParaRPr>
+          </a:p>
+        </p:txBody>
+      </p:sp>
+      <p:cxnSp>
+        <p:nvCxnSpPr>
+          <p:cNvPr id="50" name="직선 화살표 연결선 49"/>
+          <p:cNvCxnSpPr>
+            <a:stCxn id="43" idx="2"/>
+            <a:endCxn id="53" idx="0"/>
+          </p:cNvCxnSpPr>
+          <p:nvPr/>
+        </p:nvCxnSpPr>
+        <p:spPr>
+          <a:xfrm>
+            <a:off x="8100392" y="2420888"/>
+            <a:ext cx="0" cy="288032"/>
+          </a:xfrm>
+          <a:prstGeom prst="straightConnector1">
+            <a:avLst/>
+          </a:prstGeom>
+          <a:ln>
+            <a:tailEnd type="arrow"/>
+          </a:ln>
+        </p:spPr>
+        <p:style>
+          <a:lnRef idx="1">
+            <a:schemeClr val="accent1"/>
+          </a:lnRef>
+          <a:fillRef idx="0">
+            <a:schemeClr val="accent1"/>
+          </a:fillRef>
+          <a:effectRef idx="0">
+            <a:schemeClr val="accent1"/>
+          </a:effectRef>
+          <a:fontRef idx="minor">
+            <a:schemeClr val="tx1"/>
+          </a:fontRef>
+        </p:style>
+      </p:cxnSp>
+      <p:sp>
+        <p:nvSpPr>
+          <p:cNvPr id="53" name="모서리가 둥근 직사각형 52"/>
+          <p:cNvSpPr/>
+          <p:nvPr/>
+        </p:nvSpPr>
+        <p:spPr>
+          <a:xfrm>
+            <a:off x="7452320" y="2708920"/>
+            <a:ext cx="1296144" cy="432048"/>
+          </a:xfrm>
+          <a:prstGeom prst="roundRect">
+            <a:avLst/>
+          </a:prstGeom>
+          <a:solidFill>
+            <a:srgbClr val="00B0F0"/>
+          </a:solidFill>
+        </p:spPr>
+        <p:style>
+          <a:lnRef idx="2">
+            <a:schemeClr val="accent1">
+              <a:shade val="50000"/>
+            </a:schemeClr>
+          </a:lnRef>
+          <a:fillRef idx="1">
+            <a:schemeClr val="accent1"/>
+          </a:fillRef>
+          <a:effectRef idx="0">
+            <a:schemeClr val="accent1"/>
+          </a:effectRef>
+          <a:fontRef idx="minor">
+            <a:schemeClr val="lt1"/>
+          </a:fontRef>
+        </p:style>
+        <p:txBody>
+          <a:bodyPr rtlCol="0" anchor="ctr"/>
+          <a:lstStyle/>
+          <a:p>
+            <a:pPr algn="ctr"/>
+            <a:r>
+              <a:rPr lang="en-US" altLang="ko-KR" sz="1600" dirty="0" smtClean="0"/>
+              <a:t>/myField.do</a:t>
             </a:r>
             <a:endParaRPr lang="ko-KR" altLang="en-US" sz="1100" dirty="0"/>
           </a:p>
